--- a/XIE/Presentation1.pptx
+++ b/XIE/Presentation1.pptx
@@ -112,6 +112,11 @@
       </a:defRPr>
     </a:lvl9pPr>
   </p:defaultTextStyle>
+  <p:extLst>
+    <p:ext uri="{EFAFB233-063F-42B5-8137-9DF3F51BA10A}">
+      <p15:sldGuideLst xmlns:p15="http://schemas.microsoft.com/office/powerpoint/2012/main"/>
+    </p:ext>
+  </p:extLst>
 </p:presentation>
 </file>
 
@@ -519,59 +524,10 @@
                 <a:ea typeface="+mn-ea"/>
                 <a:cs typeface="+mn-cs"/>
               </a:rPr>
-              <a:t>Appropriateness </a:t>
-            </a:r>
-            <a:r>
-              <a:rPr lang="en-US" sz="1200" kern="1200" dirty="0" err="1" smtClean="0">
-                <a:solidFill>
-                  <a:schemeClr val="tx1"/>
-                </a:solidFill>
-                <a:effectLst/>
-                <a:latin typeface="+mn-lt"/>
-                <a:ea typeface="+mn-ea"/>
-                <a:cs typeface="+mn-cs"/>
-              </a:rPr>
-              <a:t>recognisability</a:t>
-            </a:r>
-            <a:r>
-              <a:rPr lang="en-US" sz="1200" kern="1200" dirty="0" smtClean="0">
-                <a:solidFill>
-                  <a:schemeClr val="tx1"/>
-                </a:solidFill>
-                <a:effectLst/>
-                <a:latin typeface="+mn-lt"/>
-                <a:ea typeface="+mn-ea"/>
-                <a:cs typeface="+mn-cs"/>
-              </a:rPr>
-              <a:t> (Users can recognize whether a product is appropriate for their needs)</a:t>
-            </a:r>
-          </a:p>
-          <a:p>
-            <a:pPr lvl="0"/>
-            <a:r>
-              <a:rPr lang="en-US" sz="1200" kern="1200" dirty="0" smtClean="0">
-                <a:solidFill>
-                  <a:schemeClr val="tx1"/>
-                </a:solidFill>
-                <a:effectLst/>
-                <a:latin typeface="+mn-lt"/>
-                <a:ea typeface="+mn-ea"/>
-                <a:cs typeface="+mn-cs"/>
-              </a:rPr>
-              <a:t>	Features List</a:t>
-            </a:r>
-            <a:r>
-              <a:rPr lang="en-US" sz="1200" kern="1200" baseline="0" dirty="0" smtClean="0">
-                <a:solidFill>
-                  <a:schemeClr val="tx1"/>
-                </a:solidFill>
-                <a:effectLst/>
-                <a:latin typeface="+mn-lt"/>
-                <a:ea typeface="+mn-ea"/>
-                <a:cs typeface="+mn-cs"/>
-              </a:rPr>
-              <a:t> </a:t>
-            </a:r>
+              <a:t>Jersey</a:t>
+            </a:r>
+          </a:p>
+          <a:p>
             <a:r>
               <a:rPr lang="en-US" sz="1200" u="sng" kern="1200" dirty="0" smtClean="0">
                 <a:solidFill>
@@ -583,7 +539,7 @@
                 <a:cs typeface="+mn-cs"/>
                 <a:hlinkClick r:id="rId3"/>
               </a:rPr>
-              <a:t>http://www.broadleafcommerce.com/features</a:t>
+              <a:t>http://www.broadleafcommerce.com/technology-stack</a:t>
             </a:r>
             <a:endParaRPr lang="en-US" sz="1200" kern="1200" dirty="0" smtClean="0">
               <a:solidFill>
@@ -596,282 +552,6 @@
             </a:endParaRPr>
           </a:p>
           <a:p>
-            <a:pPr lvl="0"/>
-            <a:r>
-              <a:rPr lang="en-US" sz="1200" kern="1200" dirty="0" smtClean="0">
-                <a:solidFill>
-                  <a:schemeClr val="tx1"/>
-                </a:solidFill>
-                <a:effectLst/>
-                <a:latin typeface="+mn-lt"/>
-                <a:ea typeface="+mn-ea"/>
-                <a:cs typeface="+mn-cs"/>
-              </a:rPr>
-              <a:t>	Demo site </a:t>
-            </a:r>
-            <a:r>
-              <a:rPr lang="en-US" sz="1200" u="sng" kern="1200" dirty="0" smtClean="0">
-                <a:solidFill>
-                  <a:schemeClr val="tx1"/>
-                </a:solidFill>
-                <a:effectLst/>
-                <a:latin typeface="+mn-lt"/>
-                <a:ea typeface="+mn-ea"/>
-                <a:cs typeface="+mn-cs"/>
-                <a:hlinkClick r:id="rId4"/>
-              </a:rPr>
-              <a:t>http://demo.broadleafcommerce.org/</a:t>
-            </a:r>
-            <a:r>
-              <a:rPr lang="en-US" sz="1200" kern="1200" dirty="0" smtClean="0">
-                <a:solidFill>
-                  <a:schemeClr val="tx1"/>
-                </a:solidFill>
-                <a:effectLst/>
-                <a:latin typeface="+mn-lt"/>
-                <a:ea typeface="+mn-ea"/>
-                <a:cs typeface="+mn-cs"/>
-              </a:rPr>
-              <a:t> </a:t>
-            </a:r>
-          </a:p>
-          <a:p>
-            <a:r>
-              <a:rPr lang="en-US" sz="1200" kern="1200" dirty="0" smtClean="0">
-                <a:solidFill>
-                  <a:schemeClr val="tx1"/>
-                </a:solidFill>
-                <a:effectLst/>
-                <a:latin typeface="+mn-lt"/>
-                <a:ea typeface="+mn-ea"/>
-                <a:cs typeface="+mn-cs"/>
-              </a:rPr>
-              <a:t>Learnability</a:t>
-            </a:r>
-          </a:p>
-          <a:p>
-            <a:pPr lvl="0"/>
-            <a:r>
-              <a:rPr lang="en-US" sz="1200" kern="1200" dirty="0" smtClean="0">
-                <a:solidFill>
-                  <a:schemeClr val="tx1"/>
-                </a:solidFill>
-                <a:effectLst/>
-                <a:latin typeface="+mn-lt"/>
-                <a:ea typeface="+mn-ea"/>
-                <a:cs typeface="+mn-cs"/>
-              </a:rPr>
-              <a:t>	Tuition documents</a:t>
-            </a:r>
-          </a:p>
-          <a:p>
-            <a:pPr lvl="0"/>
-            <a:r>
-              <a:rPr lang="en-US" sz="1200" kern="1200" dirty="0" smtClean="0">
-                <a:solidFill>
-                  <a:schemeClr val="tx1"/>
-                </a:solidFill>
-                <a:effectLst/>
-                <a:latin typeface="+mn-lt"/>
-                <a:ea typeface="+mn-ea"/>
-                <a:cs typeface="+mn-cs"/>
-              </a:rPr>
-              <a:t>	Demo site</a:t>
-            </a:r>
-          </a:p>
-          <a:p>
-            <a:r>
-              <a:rPr lang="en-US" sz="1200" kern="1200" dirty="0" smtClean="0">
-                <a:solidFill>
-                  <a:schemeClr val="tx1"/>
-                </a:solidFill>
-                <a:effectLst/>
-                <a:latin typeface="+mn-lt"/>
-                <a:ea typeface="+mn-ea"/>
-                <a:cs typeface="+mn-cs"/>
-              </a:rPr>
-              <a:t>Operability</a:t>
-            </a:r>
-          </a:p>
-          <a:p>
-            <a:pPr lvl="0"/>
-            <a:r>
-              <a:rPr lang="en-US" sz="1200" kern="1200" dirty="0" smtClean="0">
-                <a:solidFill>
-                  <a:schemeClr val="tx1"/>
-                </a:solidFill>
-                <a:effectLst/>
-                <a:latin typeface="+mn-lt"/>
-                <a:ea typeface="+mn-ea"/>
-                <a:cs typeface="+mn-cs"/>
-              </a:rPr>
-              <a:t> 	Provide admin console to control and operate all store business</a:t>
-            </a:r>
-          </a:p>
-          <a:p>
-            <a:r>
-              <a:rPr lang="en-US" sz="1200" kern="1200" dirty="0" smtClean="0">
-                <a:solidFill>
-                  <a:schemeClr val="tx1"/>
-                </a:solidFill>
-                <a:effectLst/>
-                <a:latin typeface="+mn-lt"/>
-                <a:ea typeface="+mn-ea"/>
-                <a:cs typeface="+mn-cs"/>
-              </a:rPr>
-              <a:t>	All front-end interface can be customized.(</a:t>
-            </a:r>
-            <a:r>
-              <a:rPr lang="en-US" sz="1200" kern="1200" dirty="0" err="1" smtClean="0">
-                <a:solidFill>
-                  <a:schemeClr val="tx1"/>
-                </a:solidFill>
-                <a:effectLst/>
-                <a:latin typeface="+mn-lt"/>
-                <a:ea typeface="+mn-ea"/>
-                <a:cs typeface="+mn-cs"/>
-              </a:rPr>
-              <a:t>cms</a:t>
-            </a:r>
-            <a:r>
-              <a:rPr lang="en-US" sz="1200" kern="1200" dirty="0" smtClean="0">
-                <a:solidFill>
-                  <a:schemeClr val="tx1"/>
-                </a:solidFill>
-                <a:effectLst/>
-                <a:latin typeface="+mn-lt"/>
-                <a:ea typeface="+mn-ea"/>
-                <a:cs typeface="+mn-cs"/>
-              </a:rPr>
-              <a:t>)</a:t>
-            </a:r>
-          </a:p>
-          <a:p>
-            <a:r>
-              <a:rPr lang="en-US" sz="1200" kern="1200" dirty="0" smtClean="0">
-                <a:solidFill>
-                  <a:schemeClr val="tx1"/>
-                </a:solidFill>
-                <a:effectLst/>
-                <a:latin typeface="+mn-lt"/>
-                <a:ea typeface="+mn-ea"/>
-                <a:cs typeface="+mn-cs"/>
-              </a:rPr>
-              <a:t> (</a:t>
-            </a:r>
-            <a:r>
-              <a:rPr lang="en-US" sz="1200" kern="1200" dirty="0" err="1" smtClean="0">
-                <a:solidFill>
-                  <a:schemeClr val="tx1"/>
-                </a:solidFill>
-                <a:effectLst/>
-                <a:latin typeface="+mn-lt"/>
-                <a:ea typeface="+mn-ea"/>
-                <a:cs typeface="+mn-cs"/>
-              </a:rPr>
-              <a:t>cms</a:t>
-            </a:r>
-            <a:r>
-              <a:rPr lang="en-US" sz="1200" kern="1200" dirty="0" smtClean="0">
-                <a:solidFill>
-                  <a:schemeClr val="tx1"/>
-                </a:solidFill>
-                <a:effectLst/>
-                <a:latin typeface="+mn-lt"/>
-                <a:ea typeface="+mn-ea"/>
-                <a:cs typeface="+mn-cs"/>
-              </a:rPr>
-              <a:t>)</a:t>
-            </a:r>
-          </a:p>
-          <a:p>
-            <a:r>
-              <a:rPr lang="en-US" sz="1200" kern="1200" dirty="0" smtClean="0">
-                <a:solidFill>
-                  <a:schemeClr val="tx1"/>
-                </a:solidFill>
-                <a:effectLst/>
-                <a:latin typeface="+mn-lt"/>
-                <a:ea typeface="+mn-ea"/>
-                <a:cs typeface="+mn-cs"/>
-              </a:rPr>
-              <a:t>Broadleaf has a large suite of default functionality built in, so it's possible that you will only need to customize the UI and some configuration files.</a:t>
-            </a:r>
-          </a:p>
-          <a:p>
-            <a:endParaRPr lang="en-US" sz="1200" kern="1200" dirty="0" smtClean="0">
-              <a:solidFill>
-                <a:schemeClr val="tx1"/>
-              </a:solidFill>
-              <a:effectLst/>
-              <a:latin typeface="+mn-lt"/>
-              <a:ea typeface="+mn-ea"/>
-              <a:cs typeface="+mn-cs"/>
-            </a:endParaRPr>
-          </a:p>
-          <a:p>
-            <a:r>
-              <a:rPr lang="en-US" sz="1200" kern="1200" dirty="0" smtClean="0">
-                <a:solidFill>
-                  <a:schemeClr val="tx1"/>
-                </a:solidFill>
-                <a:effectLst/>
-                <a:latin typeface="+mn-lt"/>
-                <a:ea typeface="+mn-ea"/>
-                <a:cs typeface="+mn-cs"/>
-              </a:rPr>
-              <a:t>Broadleaf provides over 4000 Java classes that represent business services, data access objects, entities, and utilities. And also developer can extend entities and implement business services and data access interfaces to customize behavior. And related tuition documents are provided.</a:t>
-            </a:r>
-          </a:p>
-          <a:p>
-            <a:r>
-              <a:rPr lang="en-US" sz="1200" u="sng" kern="1200" dirty="0" smtClean="0">
-                <a:solidFill>
-                  <a:schemeClr val="tx1"/>
-                </a:solidFill>
-                <a:effectLst/>
-                <a:latin typeface="+mn-lt"/>
-                <a:ea typeface="+mn-ea"/>
-                <a:cs typeface="+mn-cs"/>
-                <a:hlinkClick r:id="rId5"/>
-              </a:rPr>
-              <a:t>http://www.broadleafcommerce.com/docs/core/current/tutorials/core-tutorials/extending-entities-tutorial</a:t>
-            </a:r>
-            <a:endParaRPr lang="en-US" sz="1200" kern="1200" dirty="0" smtClean="0">
-              <a:solidFill>
-                <a:schemeClr val="tx1"/>
-              </a:solidFill>
-              <a:effectLst/>
-              <a:latin typeface="+mn-lt"/>
-              <a:ea typeface="+mn-ea"/>
-              <a:cs typeface="+mn-cs"/>
-            </a:endParaRPr>
-          </a:p>
-          <a:p>
-            <a:r>
-              <a:rPr lang="en-US" sz="1200" u="sng" kern="1200" dirty="0" smtClean="0">
-                <a:solidFill>
-                  <a:schemeClr val="tx1"/>
-                </a:solidFill>
-                <a:effectLst/>
-                <a:latin typeface="+mn-lt"/>
-                <a:ea typeface="+mn-ea"/>
-                <a:cs typeface="+mn-cs"/>
-                <a:hlinkClick r:id="rId6"/>
-              </a:rPr>
-              <a:t>http://www.broadleafcommerce.com/docs/core/current/tutorials/core-tutorials/extending-services-tutorial</a:t>
-            </a:r>
-            <a:endParaRPr lang="en-US" sz="1200" kern="1200" dirty="0" smtClean="0">
-              <a:solidFill>
-                <a:schemeClr val="tx1"/>
-              </a:solidFill>
-              <a:effectLst/>
-              <a:latin typeface="+mn-lt"/>
-              <a:ea typeface="+mn-ea"/>
-              <a:cs typeface="+mn-cs"/>
-            </a:endParaRPr>
-          </a:p>
-          <a:p>
             <a:endParaRPr lang="en-US" dirty="0"/>
           </a:p>
         </p:txBody>
@@ -893,7 +573,7 @@
           <a:p>
             <a:fld id="{5F024B6D-3EBB-FB41-8535-18BD3BAD5859}" type="slidenum">
               <a:rPr lang="en-US" smtClean="0"/>
-              <a:t>4</a:t>
+              <a:t>2</a:t>
             </a:fld>
             <a:endParaRPr lang="en-US"/>
           </a:p>
@@ -902,7 +582,7 @@
     </p:spTree>
     <p:extLst>
       <p:ext uri="{BB962C8B-B14F-4D97-AF65-F5344CB8AC3E}">
-        <p14:creationId xmlns:p14="http://schemas.microsoft.com/office/powerpoint/2010/main" val="34740865"/>
+        <p14:creationId xmlns:p14="http://schemas.microsoft.com/office/powerpoint/2010/main" val="1538026652"/>
       </p:ext>
     </p:extLst>
   </p:cSld>
@@ -961,62 +641,42 @@
                 <a:solidFill>
                   <a:schemeClr val="tx1"/>
                 </a:solidFill>
+                <a:latin typeface="+mn-lt"/>
+                <a:ea typeface="+mn-ea"/>
+                <a:cs typeface="+mn-cs"/>
+              </a:rPr>
+              <a:t>Code level </a:t>
+            </a:r>
+          </a:p>
+          <a:p>
+            <a:pPr marL="0" marR="0" indent="0" algn="l" defTabSz="914400" rtl="0" eaLnBrk="1" fontAlgn="auto" latinLnBrk="0" hangingPunct="1">
+              <a:lnSpc>
+                <a:spcPct val="100000"/>
+              </a:lnSpc>
+              <a:spcBef>
+                <a:spcPts val="0"/>
+              </a:spcBef>
+              <a:spcAft>
+                <a:spcPts val="0"/>
+              </a:spcAft>
+              <a:buClrTx/>
+              <a:buSzTx/>
+              <a:buFontTx/>
+              <a:buNone/>
+              <a:tabLst/>
+              <a:defRPr/>
+            </a:pPr>
+            <a:r>
+              <a:rPr lang="en-US" sz="1200" kern="1200" dirty="0" smtClean="0">
+                <a:solidFill>
+                  <a:schemeClr val="tx1"/>
+                </a:solidFill>
                 <a:effectLst/>
                 <a:latin typeface="+mn-lt"/>
                 <a:ea typeface="+mn-ea"/>
                 <a:cs typeface="+mn-cs"/>
               </a:rPr>
-              <a:t>Integrate many frameworks which may cause risk to port application</a:t>
-            </a:r>
-          </a:p>
-          <a:p>
-            <a:r>
-              <a:rPr lang="en-US" sz="1200" kern="1200" dirty="0" smtClean="0">
-                <a:solidFill>
-                  <a:schemeClr val="tx1"/>
-                </a:solidFill>
-                <a:effectLst/>
-                <a:latin typeface="+mn-lt"/>
-                <a:ea typeface="+mn-ea"/>
-                <a:cs typeface="+mn-cs"/>
-              </a:rPr>
-              <a:t>Broadleaf requires a servlet container such as Apache Tomcat. Broadleaf has also been tested with Jetty, </a:t>
-            </a:r>
-            <a:r>
-              <a:rPr lang="en-US" sz="1200" kern="1200" dirty="0" err="1" smtClean="0">
-                <a:solidFill>
-                  <a:schemeClr val="tx1"/>
-                </a:solidFill>
-                <a:effectLst/>
-                <a:latin typeface="+mn-lt"/>
-                <a:ea typeface="+mn-ea"/>
-                <a:cs typeface="+mn-cs"/>
-              </a:rPr>
-              <a:t>JBoss</a:t>
-            </a:r>
-            <a:r>
-              <a:rPr lang="en-US" sz="1200" kern="1200" dirty="0" smtClean="0">
-                <a:solidFill>
-                  <a:schemeClr val="tx1"/>
-                </a:solidFill>
-                <a:effectLst/>
-                <a:latin typeface="+mn-lt"/>
-                <a:ea typeface="+mn-ea"/>
-                <a:cs typeface="+mn-cs"/>
-              </a:rPr>
-              <a:t> Application Server, Oracle WebLogic Application Server, and IBM WebSphere Application Server.</a:t>
-            </a:r>
-            <a:r>
-              <a:rPr lang="en-US" sz="1200" kern="1200" baseline="0" dirty="0" smtClean="0">
-                <a:solidFill>
-                  <a:schemeClr val="tx1"/>
-                </a:solidFill>
-                <a:effectLst/>
-                <a:latin typeface="+mn-lt"/>
-                <a:ea typeface="+mn-ea"/>
-                <a:cs typeface="+mn-cs"/>
-              </a:rPr>
-              <a:t> </a:t>
+              <a:t>Example1: </a:t>
             </a:r>
             <a:r>
               <a:rPr lang="en-US" sz="1200" u="sng" kern="1200" dirty="0" smtClean="0">
@@ -1029,7 +689,7 @@
                 <a:cs typeface="+mn-cs"/>
                 <a:hlinkClick r:id="rId3"/>
               </a:rPr>
-              <a:t>http://www.broadleafcommerce.com/faq?recaptchaPublicKey=6Lct6_ESAAAAAA1rzWdQDmWx1WC8804UaOaBEj2t#q2</a:t>
+              <a:t>http://www.broadleafcommerce.com/blog/why-broadleaf-continues-to-choose-spring</a:t>
             </a:r>
             <a:r>
               <a:rPr lang="en-US" sz="1200" kern="1200" dirty="0" smtClean="0">
@@ -1045,18 +705,16 @@
             </a:r>
           </a:p>
           <a:p>
-            <a:r>
-              <a:rPr lang="en-US" sz="1200" kern="1200" dirty="0" smtClean="0">
-                <a:solidFill>
-                  <a:schemeClr val="tx1"/>
-                </a:solidFill>
-                <a:effectLst/>
-                <a:latin typeface="+mn-lt"/>
-                <a:ea typeface="+mn-ea"/>
-                <a:cs typeface="+mn-cs"/>
-              </a:rPr>
-              <a:t>You can use any relational database that Hibernate </a:t>
-            </a:r>
+            <a:endParaRPr lang="en-US" dirty="0" smtClean="0"/>
+          </a:p>
+          <a:p>
+            <a:r>
+              <a:rPr lang="en-US" dirty="0" err="1" smtClean="0"/>
+              <a:t>QoS</a:t>
+            </a:r>
+            <a:endParaRPr lang="en-US" dirty="0" smtClean="0"/>
+          </a:p>
+          <a:p>
             <a:r>
               <a:rPr lang="en-US" sz="1200" u="sng" kern="1200" dirty="0" smtClean="0">
                 <a:solidFill>
@@ -1068,7 +726,7 @@
                 <a:cs typeface="+mn-cs"/>
                 <a:hlinkClick r:id="rId4"/>
               </a:rPr>
-              <a:t>supports</a:t>
+              <a:t>http://www.broadleafcommerce.com/docs/core/current/broadleaf-concepts/additional-configuration/qos-configuration</a:t>
             </a:r>
             <a:r>
               <a:rPr lang="en-US" sz="1200" kern="1200" dirty="0" smtClean="0">
@@ -1080,10 +738,94 @@
                 <a:ea typeface="+mn-ea"/>
                 <a:cs typeface="+mn-cs"/>
               </a:rPr>
-              <a:t>. But no </a:t>
-            </a:r>
-            <a:r>
-              <a:rPr lang="en-US" sz="1200" kern="1200" dirty="0" err="1" smtClean="0">
+              <a:t> </a:t>
+            </a:r>
+            <a:endParaRPr lang="en-US" dirty="0"/>
+          </a:p>
+        </p:txBody>
+      </p:sp>
+      <p:sp>
+        <p:nvSpPr>
+          <p:cNvPr id="4" name="Slide Number Placeholder 3"/>
+          <p:cNvSpPr>
+            <a:spLocks noGrp="1"/>
+          </p:cNvSpPr>
+          <p:nvPr>
+            <p:ph type="sldNum" sz="quarter" idx="10"/>
+          </p:nvPr>
+        </p:nvSpPr>
+        <p:spPr/>
+        <p:txBody>
+          <a:bodyPr/>
+          <a:lstStyle/>
+          <a:p>
+            <a:fld id="{5F024B6D-3EBB-FB41-8535-18BD3BAD5859}" type="slidenum">
+              <a:rPr lang="en-US" smtClean="0"/>
+              <a:t>3</a:t>
+            </a:fld>
+            <a:endParaRPr lang="en-US"/>
+          </a:p>
+        </p:txBody>
+      </p:sp>
+    </p:spTree>
+    <p:extLst>
+      <p:ext uri="{BB962C8B-B14F-4D97-AF65-F5344CB8AC3E}">
+        <p14:creationId xmlns:p14="http://schemas.microsoft.com/office/powerpoint/2010/main" val="473903566"/>
+      </p:ext>
+    </p:extLst>
+  </p:cSld>
+  <p:clrMapOvr>
+    <a:masterClrMapping/>
+  </p:clrMapOvr>
+</p:notes>
+</file>
+
+<file path=ppt/notesSlides/notesSlide3.xml><?xml version="1.0" encoding="utf-8"?>
+<p:notes xmlns:a="http://schemas.openxmlformats.org/drawingml/2006/main" xmlns:r="http://schemas.openxmlformats.org/officeDocument/2006/relationships" xmlns:p="http://schemas.openxmlformats.org/presentationml/2006/main">
+  <p:cSld>
+    <p:spTree>
+      <p:nvGrpSpPr>
+        <p:cNvPr id="1" name=""/>
+        <p:cNvGrpSpPr/>
+        <p:nvPr/>
+      </p:nvGrpSpPr>
+      <p:grpSpPr>
+        <a:xfrm>
+          <a:off x="0" y="0"/>
+          <a:ext cx="0" cy="0"/>
+          <a:chOff x="0" y="0"/>
+          <a:chExt cx="0" cy="0"/>
+        </a:xfrm>
+      </p:grpSpPr>
+      <p:sp>
+        <p:nvSpPr>
+          <p:cNvPr id="2" name="Slide Image Placeholder 1"/>
+          <p:cNvSpPr>
+            <a:spLocks noGrp="1" noRot="1" noChangeAspect="1"/>
+          </p:cNvSpPr>
+          <p:nvPr>
+            <p:ph type="sldImg"/>
+          </p:nvPr>
+        </p:nvSpPr>
+        <p:spPr/>
+      </p:sp>
+      <p:sp>
+        <p:nvSpPr>
+          <p:cNvPr id="3" name="Notes Placeholder 2"/>
+          <p:cNvSpPr>
+            <a:spLocks noGrp="1"/>
+          </p:cNvSpPr>
+          <p:nvPr>
+            <p:ph type="body" idx="1"/>
+          </p:nvPr>
+        </p:nvSpPr>
+        <p:spPr/>
+        <p:txBody>
+          <a:bodyPr/>
+          <a:lstStyle/>
+          <a:p>
+            <a:r>
+              <a:rPr lang="en-US" sz="1200" kern="1200" dirty="0" smtClean="0">
                 <a:solidFill>
                   <a:schemeClr val="tx1"/>
                 </a:solidFill>
@@ -1092,10 +834,10 @@
                 <a:ea typeface="+mn-ea"/>
                 <a:cs typeface="+mn-cs"/>
               </a:rPr>
-              <a:t>noSQL</a:t>
-            </a:r>
-            <a:r>
-              <a:rPr lang="en-US" sz="1200" kern="1200" dirty="0" smtClean="0">
+              <a:t>Appropriateness </a:t>
+            </a:r>
+            <a:r>
+              <a:rPr lang="en-US" sz="1200" kern="1200" dirty="0" err="1" smtClean="0">
                 <a:solidFill>
                   <a:schemeClr val="tx1"/>
                 </a:solidFill>
@@ -1104,7 +846,308 @@
                 <a:ea typeface="+mn-ea"/>
                 <a:cs typeface="+mn-cs"/>
               </a:rPr>
-              <a:t> data storage. We have done the majority of our testing with MySQL 5.1, Oracle 9i and 10g, and HSQLDB. </a:t>
+              <a:t>recognisability</a:t>
+            </a:r>
+            <a:r>
+              <a:rPr lang="en-US" sz="1200" kern="1200" dirty="0" smtClean="0">
+                <a:solidFill>
+                  <a:schemeClr val="tx1"/>
+                </a:solidFill>
+                <a:effectLst/>
+                <a:latin typeface="+mn-lt"/>
+                <a:ea typeface="+mn-ea"/>
+                <a:cs typeface="+mn-cs"/>
+              </a:rPr>
+              <a:t> </a:t>
+            </a:r>
+            <a:r>
+              <a:rPr lang="en-US" sz="1200" b="1" kern="1200" dirty="0" smtClean="0">
+                <a:solidFill>
+                  <a:schemeClr val="tx1"/>
+                </a:solidFill>
+                <a:effectLst/>
+                <a:latin typeface="+mn-lt"/>
+                <a:ea typeface="+mn-ea"/>
+                <a:cs typeface="+mn-cs"/>
+              </a:rPr>
+              <a:t>(Users can recognize whether a product is appropriate for their needs)</a:t>
+            </a:r>
+          </a:p>
+          <a:p>
+            <a:pPr lvl="0"/>
+            <a:r>
+              <a:rPr lang="en-US" sz="1200" kern="1200" dirty="0" smtClean="0">
+                <a:solidFill>
+                  <a:schemeClr val="tx1"/>
+                </a:solidFill>
+                <a:effectLst/>
+                <a:latin typeface="+mn-lt"/>
+                <a:ea typeface="+mn-ea"/>
+                <a:cs typeface="+mn-cs"/>
+              </a:rPr>
+              <a:t>	Features List</a:t>
+            </a:r>
+            <a:r>
+              <a:rPr lang="en-US" sz="1200" kern="1200" baseline="0" dirty="0" smtClean="0">
+                <a:solidFill>
+                  <a:schemeClr val="tx1"/>
+                </a:solidFill>
+                <a:effectLst/>
+                <a:latin typeface="+mn-lt"/>
+                <a:ea typeface="+mn-ea"/>
+                <a:cs typeface="+mn-cs"/>
+              </a:rPr>
+              <a:t> </a:t>
+            </a:r>
+            <a:r>
+              <a:rPr lang="en-US" sz="1200" u="sng" kern="1200" dirty="0" smtClean="0">
+                <a:solidFill>
+                  <a:schemeClr val="tx1"/>
+                </a:solidFill>
+                <a:effectLst/>
+                <a:latin typeface="+mn-lt"/>
+                <a:ea typeface="+mn-ea"/>
+                <a:cs typeface="+mn-cs"/>
+                <a:hlinkClick r:id="rId3"/>
+              </a:rPr>
+              <a:t>http://www.broadleafcommerce.com/features</a:t>
+            </a:r>
+            <a:endParaRPr lang="en-US" sz="1200" kern="1200" dirty="0" smtClean="0">
+              <a:solidFill>
+                <a:schemeClr val="tx1"/>
+              </a:solidFill>
+              <a:effectLst/>
+              <a:latin typeface="+mn-lt"/>
+              <a:ea typeface="+mn-ea"/>
+              <a:cs typeface="+mn-cs"/>
+            </a:endParaRPr>
+          </a:p>
+          <a:p>
+            <a:pPr lvl="0"/>
+            <a:r>
+              <a:rPr lang="en-US" sz="1200" kern="1200" dirty="0" smtClean="0">
+                <a:solidFill>
+                  <a:schemeClr val="tx1"/>
+                </a:solidFill>
+                <a:effectLst/>
+                <a:latin typeface="+mn-lt"/>
+                <a:ea typeface="+mn-ea"/>
+                <a:cs typeface="+mn-cs"/>
+              </a:rPr>
+              <a:t>	Demo site </a:t>
+            </a:r>
+            <a:r>
+              <a:rPr lang="en-US" sz="1200" u="sng" kern="1200" dirty="0" smtClean="0">
+                <a:solidFill>
+                  <a:schemeClr val="tx1"/>
+                </a:solidFill>
+                <a:effectLst/>
+                <a:latin typeface="+mn-lt"/>
+                <a:ea typeface="+mn-ea"/>
+                <a:cs typeface="+mn-cs"/>
+                <a:hlinkClick r:id="rId4"/>
+              </a:rPr>
+              <a:t>http://demo.broadleafcommerce.org/</a:t>
+            </a:r>
+            <a:r>
+              <a:rPr lang="en-US" sz="1200" kern="1200" dirty="0" smtClean="0">
+                <a:solidFill>
+                  <a:schemeClr val="tx1"/>
+                </a:solidFill>
+                <a:effectLst/>
+                <a:latin typeface="+mn-lt"/>
+                <a:ea typeface="+mn-ea"/>
+                <a:cs typeface="+mn-cs"/>
+              </a:rPr>
+              <a:t> </a:t>
+            </a:r>
+          </a:p>
+          <a:p>
+            <a:r>
+              <a:rPr lang="en-US" sz="1200" kern="1200" dirty="0" smtClean="0">
+                <a:solidFill>
+                  <a:schemeClr val="tx1"/>
+                </a:solidFill>
+                <a:effectLst/>
+                <a:latin typeface="+mn-lt"/>
+                <a:ea typeface="+mn-ea"/>
+                <a:cs typeface="+mn-cs"/>
+              </a:rPr>
+              <a:t>Learnability</a:t>
+            </a:r>
+          </a:p>
+          <a:p>
+            <a:pPr lvl="0"/>
+            <a:r>
+              <a:rPr lang="en-US" sz="1200" kern="1200" dirty="0" smtClean="0">
+                <a:solidFill>
+                  <a:schemeClr val="tx1"/>
+                </a:solidFill>
+                <a:effectLst/>
+                <a:latin typeface="+mn-lt"/>
+                <a:ea typeface="+mn-ea"/>
+                <a:cs typeface="+mn-cs"/>
+              </a:rPr>
+              <a:t>	Tuition documents</a:t>
+            </a:r>
+          </a:p>
+          <a:p>
+            <a:pPr lvl="0"/>
+            <a:r>
+              <a:rPr lang="en-US" sz="1200" kern="1200" dirty="0" smtClean="0">
+                <a:solidFill>
+                  <a:schemeClr val="tx1"/>
+                </a:solidFill>
+                <a:effectLst/>
+                <a:latin typeface="+mn-lt"/>
+                <a:ea typeface="+mn-ea"/>
+                <a:cs typeface="+mn-cs"/>
+              </a:rPr>
+              <a:t>	Demo site</a:t>
+            </a:r>
+          </a:p>
+          <a:p>
+            <a:r>
+              <a:rPr lang="en-US" sz="1200" kern="1200" dirty="0" smtClean="0">
+                <a:solidFill>
+                  <a:schemeClr val="tx1"/>
+                </a:solidFill>
+                <a:effectLst/>
+                <a:latin typeface="+mn-lt"/>
+                <a:ea typeface="+mn-ea"/>
+                <a:cs typeface="+mn-cs"/>
+              </a:rPr>
+              <a:t>Operability</a:t>
+            </a:r>
+          </a:p>
+          <a:p>
+            <a:pPr lvl="0"/>
+            <a:r>
+              <a:rPr lang="en-US" sz="1200" kern="1200" dirty="0" smtClean="0">
+                <a:solidFill>
+                  <a:schemeClr val="tx1"/>
+                </a:solidFill>
+                <a:effectLst/>
+                <a:latin typeface="+mn-lt"/>
+                <a:ea typeface="+mn-ea"/>
+                <a:cs typeface="+mn-cs"/>
+              </a:rPr>
+              <a:t> 	Provide admin console to control and operate all store business</a:t>
+            </a:r>
+          </a:p>
+          <a:p>
+            <a:r>
+              <a:rPr lang="en-US" sz="1200" kern="1200" dirty="0" smtClean="0">
+                <a:solidFill>
+                  <a:schemeClr val="tx1"/>
+                </a:solidFill>
+                <a:effectLst/>
+                <a:latin typeface="+mn-lt"/>
+                <a:ea typeface="+mn-ea"/>
+                <a:cs typeface="+mn-cs"/>
+              </a:rPr>
+              <a:t>	All front-end interface can be customized.(</a:t>
+            </a:r>
+            <a:r>
+              <a:rPr lang="en-US" sz="1200" kern="1200" dirty="0" err="1" smtClean="0">
+                <a:solidFill>
+                  <a:schemeClr val="tx1"/>
+                </a:solidFill>
+                <a:effectLst/>
+                <a:latin typeface="+mn-lt"/>
+                <a:ea typeface="+mn-ea"/>
+                <a:cs typeface="+mn-cs"/>
+              </a:rPr>
+              <a:t>cms</a:t>
+            </a:r>
+            <a:r>
+              <a:rPr lang="en-US" sz="1200" kern="1200" dirty="0" smtClean="0">
+                <a:solidFill>
+                  <a:schemeClr val="tx1"/>
+                </a:solidFill>
+                <a:effectLst/>
+                <a:latin typeface="+mn-lt"/>
+                <a:ea typeface="+mn-ea"/>
+                <a:cs typeface="+mn-cs"/>
+              </a:rPr>
+              <a:t>)</a:t>
+            </a:r>
+          </a:p>
+          <a:p>
+            <a:r>
+              <a:rPr lang="en-US" sz="1200" kern="1200" dirty="0" smtClean="0">
+                <a:solidFill>
+                  <a:schemeClr val="tx1"/>
+                </a:solidFill>
+                <a:effectLst/>
+                <a:latin typeface="+mn-lt"/>
+                <a:ea typeface="+mn-ea"/>
+                <a:cs typeface="+mn-cs"/>
+              </a:rPr>
+              <a:t> (</a:t>
+            </a:r>
+            <a:r>
+              <a:rPr lang="en-US" sz="1200" kern="1200" dirty="0" err="1" smtClean="0">
+                <a:solidFill>
+                  <a:schemeClr val="tx1"/>
+                </a:solidFill>
+                <a:effectLst/>
+                <a:latin typeface="+mn-lt"/>
+                <a:ea typeface="+mn-ea"/>
+                <a:cs typeface="+mn-cs"/>
+              </a:rPr>
+              <a:t>cms</a:t>
+            </a:r>
+            <a:r>
+              <a:rPr lang="en-US" sz="1200" kern="1200" dirty="0" smtClean="0">
+                <a:solidFill>
+                  <a:schemeClr val="tx1"/>
+                </a:solidFill>
+                <a:effectLst/>
+                <a:latin typeface="+mn-lt"/>
+                <a:ea typeface="+mn-ea"/>
+                <a:cs typeface="+mn-cs"/>
+              </a:rPr>
+              <a:t>)</a:t>
+            </a:r>
+          </a:p>
+          <a:p>
+            <a:r>
+              <a:rPr lang="en-US" sz="1200" b="1" u="none" kern="1200" dirty="0" smtClean="0">
+                <a:solidFill>
+                  <a:srgbClr val="FF0000"/>
+                </a:solidFill>
+                <a:effectLst/>
+                <a:latin typeface="+mn-lt"/>
+                <a:ea typeface="+mn-ea"/>
+                <a:cs typeface="+mn-cs"/>
+              </a:rPr>
+              <a:t>Broadleaf has a large suite of default functionality built in, so it's possible that you will only need to customize the UI and some configuration files.</a:t>
+            </a:r>
+          </a:p>
+          <a:p>
+            <a:endParaRPr lang="en-US" sz="1200" b="1" u="none" kern="1200" dirty="0" smtClean="0">
+              <a:solidFill>
+                <a:srgbClr val="FF0000"/>
+              </a:solidFill>
+              <a:effectLst/>
+              <a:latin typeface="+mn-lt"/>
+              <a:ea typeface="+mn-ea"/>
+              <a:cs typeface="+mn-cs"/>
+            </a:endParaRPr>
+          </a:p>
+          <a:p>
+            <a:r>
+              <a:rPr lang="en-US" sz="1200" b="1" u="none" kern="1200" dirty="0" smtClean="0">
+                <a:solidFill>
+                  <a:srgbClr val="FF0000"/>
+                </a:solidFill>
+                <a:effectLst/>
+                <a:latin typeface="+mn-lt"/>
+                <a:ea typeface="+mn-ea"/>
+                <a:cs typeface="+mn-cs"/>
+              </a:rPr>
+              <a:t>Broadleaf provides over 4000 Java classes that represent business services, data access objects, entities, and utilities. And also developer can extend entities and implement business services and data access interfaces to customize behavior. And related tuition documents are provided.</a:t>
             </a:r>
           </a:p>
           <a:p>
@@ -1119,106 +1162,17 @@
                 <a:cs typeface="+mn-cs"/>
                 <a:hlinkClick r:id="rId5"/>
               </a:rPr>
-              <a:t>http://www.broadleafcommerce.com/faq?recaptchaPublicKey=6Lct6_ESAAAAAA1rzWdQDmWx1WC8804UaOaBEj2t#q4</a:t>
-            </a:r>
-            <a:r>
-              <a:rPr lang="en-US" sz="1200" kern="1200" dirty="0" smtClean="0">
-                <a:solidFill>
-                  <a:schemeClr val="tx1"/>
-                </a:solidFill>
-                <a:effectLst/>
-                <a:latin typeface="+mn-lt"/>
-                <a:ea typeface="+mn-ea"/>
-                <a:cs typeface="+mn-cs"/>
-              </a:rPr>
-              <a:t> </a:t>
-            </a:r>
-          </a:p>
-          <a:p>
-            <a:r>
-              <a:rPr lang="en-US" sz="1200" kern="1200" dirty="0" smtClean="0">
-                <a:solidFill>
-                  <a:schemeClr val="tx1"/>
-                </a:solidFill>
-                <a:effectLst/>
-                <a:latin typeface="+mn-lt"/>
-                <a:ea typeface="+mn-ea"/>
-                <a:cs typeface="+mn-cs"/>
-              </a:rPr>
-              <a:t>We have deployed Broadleaf Commerce to Amazon EC2, Rackspace Cloud, </a:t>
-            </a:r>
-            <a:r>
-              <a:rPr lang="en-US" sz="1200" kern="1200" dirty="0" err="1" smtClean="0">
-                <a:solidFill>
-                  <a:schemeClr val="tx1"/>
-                </a:solidFill>
-                <a:effectLst/>
-                <a:latin typeface="+mn-lt"/>
-                <a:ea typeface="+mn-ea"/>
-                <a:cs typeface="+mn-cs"/>
-              </a:rPr>
-              <a:t>CloudBees</a:t>
-            </a:r>
-            <a:r>
-              <a:rPr lang="en-US" sz="1200" kern="1200" dirty="0" smtClean="0">
-                <a:solidFill>
-                  <a:schemeClr val="tx1"/>
-                </a:solidFill>
-                <a:effectLst/>
-                <a:latin typeface="+mn-lt"/>
-                <a:ea typeface="+mn-ea"/>
-                <a:cs typeface="+mn-cs"/>
-              </a:rPr>
-              <a:t>, </a:t>
-            </a:r>
-            <a:r>
-              <a:rPr lang="en-US" sz="1200" kern="1200" dirty="0" err="1" smtClean="0">
-                <a:solidFill>
-                  <a:schemeClr val="tx1"/>
-                </a:solidFill>
-                <a:effectLst/>
-                <a:latin typeface="+mn-lt"/>
-                <a:ea typeface="+mn-ea"/>
-                <a:cs typeface="+mn-cs"/>
-              </a:rPr>
-              <a:t>CloudFoundry</a:t>
-            </a:r>
-            <a:r>
-              <a:rPr lang="en-US" sz="1200" kern="1200" dirty="0" smtClean="0">
-                <a:solidFill>
-                  <a:schemeClr val="tx1"/>
-                </a:solidFill>
-                <a:effectLst/>
-                <a:latin typeface="+mn-lt"/>
-                <a:ea typeface="+mn-ea"/>
-                <a:cs typeface="+mn-cs"/>
-              </a:rPr>
-              <a:t>, </a:t>
-            </a:r>
-            <a:r>
-              <a:rPr lang="en-US" sz="1200" kern="1200" dirty="0" err="1" smtClean="0">
-                <a:solidFill>
-                  <a:schemeClr val="tx1"/>
-                </a:solidFill>
-                <a:effectLst/>
-                <a:latin typeface="+mn-lt"/>
-                <a:ea typeface="+mn-ea"/>
-                <a:cs typeface="+mn-cs"/>
-              </a:rPr>
-              <a:t>Hiroku</a:t>
-            </a:r>
-            <a:r>
-              <a:rPr lang="en-US" sz="1200" kern="1200" dirty="0" smtClean="0">
-                <a:solidFill>
-                  <a:schemeClr val="tx1"/>
-                </a:solidFill>
-                <a:effectLst/>
-                <a:latin typeface="+mn-lt"/>
-                <a:ea typeface="+mn-ea"/>
-                <a:cs typeface="+mn-cs"/>
-              </a:rPr>
-              <a:t>, and Amazon Elastic Beanstalk. </a:t>
-            </a:r>
+              <a:t>http://www.broadleafcommerce.com/docs/core/current/tutorials/core-tutorials/extending-entities-tutorial</a:t>
+            </a:r>
+            <a:endParaRPr lang="en-US" sz="1200" kern="1200" dirty="0" smtClean="0">
+              <a:solidFill>
+                <a:schemeClr val="tx1"/>
+              </a:solidFill>
+              <a:effectLst/>
+              <a:latin typeface="+mn-lt"/>
+              <a:ea typeface="+mn-ea"/>
+              <a:cs typeface="+mn-cs"/>
+            </a:endParaRPr>
           </a:p>
           <a:p>
             <a:r>
@@ -1232,13 +1186,622 @@
                 <a:cs typeface="+mn-cs"/>
                 <a:hlinkClick r:id="rId6"/>
               </a:rPr>
-              <a:t>http://www.broadleafcommerce.com/faq?recaptchaPublicKey=6Lct6_ESAAAAAA1rzWdQDmWx1WC8804UaOaBEj2t#q5</a:t>
+              <a:t>http://www.broadleafcommerce.com/docs/core/current/tutorials/core-tutorials/extending-services-tutorial</a:t>
+            </a:r>
+            <a:endParaRPr lang="en-US" sz="1200" kern="1200" dirty="0" smtClean="0">
+              <a:solidFill>
+                <a:schemeClr val="tx1"/>
+              </a:solidFill>
+              <a:effectLst/>
+              <a:latin typeface="+mn-lt"/>
+              <a:ea typeface="+mn-ea"/>
+              <a:cs typeface="+mn-cs"/>
+            </a:endParaRPr>
+          </a:p>
+          <a:p>
+            <a:endParaRPr lang="en-US" dirty="0"/>
+          </a:p>
+        </p:txBody>
+      </p:sp>
+      <p:sp>
+        <p:nvSpPr>
+          <p:cNvPr id="4" name="Slide Number Placeholder 3"/>
+          <p:cNvSpPr>
+            <a:spLocks noGrp="1"/>
+          </p:cNvSpPr>
+          <p:nvPr>
+            <p:ph type="sldNum" sz="quarter" idx="10"/>
+          </p:nvPr>
+        </p:nvSpPr>
+        <p:spPr/>
+        <p:txBody>
+          <a:bodyPr/>
+          <a:lstStyle/>
+          <a:p>
+            <a:fld id="{5F024B6D-3EBB-FB41-8535-18BD3BAD5859}" type="slidenum">
+              <a:rPr lang="en-US" smtClean="0"/>
+              <a:t>4</a:t>
+            </a:fld>
+            <a:endParaRPr lang="en-US"/>
+          </a:p>
+        </p:txBody>
+      </p:sp>
+    </p:spTree>
+    <p:extLst>
+      <p:ext uri="{BB962C8B-B14F-4D97-AF65-F5344CB8AC3E}">
+        <p14:creationId xmlns:p14="http://schemas.microsoft.com/office/powerpoint/2010/main" val="34740865"/>
+      </p:ext>
+    </p:extLst>
+  </p:cSld>
+  <p:clrMapOvr>
+    <a:masterClrMapping/>
+  </p:clrMapOvr>
+</p:notes>
+</file>
+
+<file path=ppt/notesSlides/notesSlide4.xml><?xml version="1.0" encoding="utf-8"?>
+<p:notes xmlns:a="http://schemas.openxmlformats.org/drawingml/2006/main" xmlns:r="http://schemas.openxmlformats.org/officeDocument/2006/relationships" xmlns:p="http://schemas.openxmlformats.org/presentationml/2006/main">
+  <p:cSld>
+    <p:spTree>
+      <p:nvGrpSpPr>
+        <p:cNvPr id="1" name=""/>
+        <p:cNvGrpSpPr/>
+        <p:nvPr/>
+      </p:nvGrpSpPr>
+      <p:grpSpPr>
+        <a:xfrm>
+          <a:off x="0" y="0"/>
+          <a:ext cx="0" cy="0"/>
+          <a:chOff x="0" y="0"/>
+          <a:chExt cx="0" cy="0"/>
+        </a:xfrm>
+      </p:grpSpPr>
+      <p:sp>
+        <p:nvSpPr>
+          <p:cNvPr id="2" name="Slide Image Placeholder 1"/>
+          <p:cNvSpPr>
+            <a:spLocks noGrp="1" noRot="1" noChangeAspect="1"/>
+          </p:cNvSpPr>
+          <p:nvPr>
+            <p:ph type="sldImg"/>
+          </p:nvPr>
+        </p:nvSpPr>
+        <p:spPr/>
+      </p:sp>
+      <p:sp>
+        <p:nvSpPr>
+          <p:cNvPr id="3" name="Notes Placeholder 2"/>
+          <p:cNvSpPr>
+            <a:spLocks noGrp="1"/>
+          </p:cNvSpPr>
+          <p:nvPr>
+            <p:ph type="body" idx="1"/>
+          </p:nvPr>
+        </p:nvSpPr>
+        <p:spPr/>
+        <p:txBody>
+          <a:bodyPr/>
+          <a:lstStyle/>
+          <a:p>
+            <a:endParaRPr lang="en-US" sz="1200" kern="1200" dirty="0" smtClean="0">
+              <a:solidFill>
+                <a:schemeClr val="tx1"/>
+              </a:solidFill>
+              <a:effectLst/>
+              <a:latin typeface="+mn-lt"/>
+              <a:ea typeface="+mn-ea"/>
+              <a:cs typeface="+mn-cs"/>
+            </a:endParaRPr>
+          </a:p>
+          <a:p>
+            <a:r>
+              <a:rPr lang="en-US" sz="1200" u="sng" kern="1200" dirty="0" smtClean="0">
+                <a:solidFill>
+                  <a:schemeClr val="tx1"/>
+                </a:solidFill>
+                <a:effectLst/>
+                <a:latin typeface="+mn-lt"/>
+                <a:ea typeface="+mn-ea"/>
+                <a:cs typeface="+mn-cs"/>
+                <a:hlinkClick r:id="rId3"/>
+              </a:rPr>
+              <a:t>http://www.broadleafcommerce.com/technology-stack</a:t>
             </a:r>
             <a:r>
               <a:rPr lang="en-US" dirty="0" smtClean="0">
                 <a:effectLst/>
               </a:rPr>
               <a:t> </a:t>
+            </a:r>
+            <a:endParaRPr lang="en-US" dirty="0" smtClean="0"/>
+          </a:p>
+          <a:p>
+            <a:endParaRPr lang="en-US" dirty="0" smtClean="0"/>
+          </a:p>
+          <a:p>
+            <a:pPr marL="0" marR="0" indent="0" algn="l" defTabSz="914400" rtl="0" eaLnBrk="1" fontAlgn="auto" latinLnBrk="0" hangingPunct="1">
+              <a:lnSpc>
+                <a:spcPct val="100000"/>
+              </a:lnSpc>
+              <a:spcBef>
+                <a:spcPts val="0"/>
+              </a:spcBef>
+              <a:spcAft>
+                <a:spcPts val="0"/>
+              </a:spcAft>
+              <a:buClrTx/>
+              <a:buSzTx/>
+              <a:buFontTx/>
+              <a:buNone/>
+              <a:tabLst/>
+              <a:defRPr/>
+            </a:pPr>
+            <a:r>
+              <a:rPr lang="en-US" sz="1200" u="sng" kern="1200" dirty="0" smtClean="0">
+                <a:solidFill>
+                  <a:schemeClr val="tx1"/>
+                </a:solidFill>
+                <a:effectLst/>
+                <a:latin typeface="+mn-lt"/>
+                <a:ea typeface="+mn-ea"/>
+                <a:cs typeface="+mn-cs"/>
+                <a:hlinkClick r:id="rId4"/>
+              </a:rPr>
+              <a:t>http://www.broadleafcommerce.com/faq?recaptchaPublicKey=6Lct6_ESAAAAAA1rzWdQDmWx1WC8804UaOaBEj2t#q9</a:t>
+            </a:r>
+            <a:r>
+              <a:rPr lang="en-US" sz="1200" kern="1200" dirty="0" smtClean="0">
+                <a:solidFill>
+                  <a:schemeClr val="tx1"/>
+                </a:solidFill>
+                <a:effectLst/>
+                <a:latin typeface="+mn-lt"/>
+                <a:ea typeface="+mn-ea"/>
+                <a:cs typeface="+mn-cs"/>
+              </a:rPr>
+              <a:t> </a:t>
+            </a:r>
+          </a:p>
+          <a:p>
+            <a:endParaRPr lang="en-US" dirty="0"/>
+          </a:p>
+        </p:txBody>
+      </p:sp>
+      <p:sp>
+        <p:nvSpPr>
+          <p:cNvPr id="4" name="Slide Number Placeholder 3"/>
+          <p:cNvSpPr>
+            <a:spLocks noGrp="1"/>
+          </p:cNvSpPr>
+          <p:nvPr>
+            <p:ph type="sldNum" sz="quarter" idx="10"/>
+          </p:nvPr>
+        </p:nvSpPr>
+        <p:spPr/>
+        <p:txBody>
+          <a:bodyPr/>
+          <a:lstStyle/>
+          <a:p>
+            <a:fld id="{5F024B6D-3EBB-FB41-8535-18BD3BAD5859}" type="slidenum">
+              <a:rPr lang="en-US" smtClean="0"/>
+              <a:t>5</a:t>
+            </a:fld>
+            <a:endParaRPr lang="en-US"/>
+          </a:p>
+        </p:txBody>
+      </p:sp>
+    </p:spTree>
+    <p:extLst>
+      <p:ext uri="{BB962C8B-B14F-4D97-AF65-F5344CB8AC3E}">
+        <p14:creationId xmlns:p14="http://schemas.microsoft.com/office/powerpoint/2010/main" val="1663568111"/>
+      </p:ext>
+    </p:extLst>
+  </p:cSld>
+  <p:clrMapOvr>
+    <a:masterClrMapping/>
+  </p:clrMapOvr>
+</p:notes>
+</file>
+
+<file path=ppt/notesSlides/notesSlide5.xml><?xml version="1.0" encoding="utf-8"?>
+<p:notes xmlns:a="http://schemas.openxmlformats.org/drawingml/2006/main" xmlns:r="http://schemas.openxmlformats.org/officeDocument/2006/relationships" xmlns:p="http://schemas.openxmlformats.org/presentationml/2006/main">
+  <p:cSld>
+    <p:spTree>
+      <p:nvGrpSpPr>
+        <p:cNvPr id="1" name=""/>
+        <p:cNvGrpSpPr/>
+        <p:nvPr/>
+      </p:nvGrpSpPr>
+      <p:grpSpPr>
+        <a:xfrm>
+          <a:off x="0" y="0"/>
+          <a:ext cx="0" cy="0"/>
+          <a:chOff x="0" y="0"/>
+          <a:chExt cx="0" cy="0"/>
+        </a:xfrm>
+      </p:grpSpPr>
+      <p:sp>
+        <p:nvSpPr>
+          <p:cNvPr id="2" name="Slide Image Placeholder 1"/>
+          <p:cNvSpPr>
+            <a:spLocks noGrp="1" noRot="1" noChangeAspect="1"/>
+          </p:cNvSpPr>
+          <p:nvPr>
+            <p:ph type="sldImg"/>
+          </p:nvPr>
+        </p:nvSpPr>
+        <p:spPr/>
+      </p:sp>
+      <p:sp>
+        <p:nvSpPr>
+          <p:cNvPr id="3" name="Notes Placeholder 2"/>
+          <p:cNvSpPr>
+            <a:spLocks noGrp="1"/>
+          </p:cNvSpPr>
+          <p:nvPr>
+            <p:ph type="body" idx="1"/>
+          </p:nvPr>
+        </p:nvSpPr>
+        <p:spPr/>
+        <p:txBody>
+          <a:bodyPr/>
+          <a:lstStyle/>
+          <a:p>
+            <a:endParaRPr lang="en-US" sz="1200" kern="1200" dirty="0" smtClean="0">
+              <a:solidFill>
+                <a:schemeClr val="tx1"/>
+              </a:solidFill>
+              <a:effectLst/>
+              <a:latin typeface="+mn-lt"/>
+              <a:ea typeface="+mn-ea"/>
+              <a:cs typeface="+mn-cs"/>
+            </a:endParaRPr>
+          </a:p>
+          <a:p>
+            <a:r>
+              <a:rPr lang="en-US" sz="1200" kern="1200" dirty="0" smtClean="0">
+                <a:solidFill>
+                  <a:schemeClr val="tx1"/>
+                </a:solidFill>
+                <a:effectLst/>
+                <a:latin typeface="+mn-lt"/>
+                <a:ea typeface="+mn-ea"/>
+                <a:cs typeface="+mn-cs"/>
+              </a:rPr>
+              <a:t>Broadleaf requires a servlet container such as Apache Tomcat. Broadleaf has also been tested with Jetty, </a:t>
+            </a:r>
+            <a:r>
+              <a:rPr lang="en-US" sz="1200" kern="1200" dirty="0" err="1" smtClean="0">
+                <a:solidFill>
+                  <a:schemeClr val="tx1"/>
+                </a:solidFill>
+                <a:effectLst/>
+                <a:latin typeface="+mn-lt"/>
+                <a:ea typeface="+mn-ea"/>
+                <a:cs typeface="+mn-cs"/>
+              </a:rPr>
+              <a:t>JBoss</a:t>
+            </a:r>
+            <a:r>
+              <a:rPr lang="en-US" sz="1200" kern="1200" dirty="0" smtClean="0">
+                <a:solidFill>
+                  <a:schemeClr val="tx1"/>
+                </a:solidFill>
+                <a:effectLst/>
+                <a:latin typeface="+mn-lt"/>
+                <a:ea typeface="+mn-ea"/>
+                <a:cs typeface="+mn-cs"/>
+              </a:rPr>
+              <a:t> Application Server, Oracle WebLogic Application Server, and IBM WebSphere Application Server.</a:t>
+            </a:r>
+            <a:r>
+              <a:rPr lang="en-US" sz="1200" kern="1200" baseline="0" dirty="0" smtClean="0">
+                <a:solidFill>
+                  <a:schemeClr val="tx1"/>
+                </a:solidFill>
+                <a:effectLst/>
+                <a:latin typeface="+mn-lt"/>
+                <a:ea typeface="+mn-ea"/>
+                <a:cs typeface="+mn-cs"/>
+              </a:rPr>
+              <a:t> </a:t>
+            </a:r>
+            <a:r>
+              <a:rPr lang="en-US" sz="1200" u="sng" kern="1200" dirty="0" smtClean="0">
+                <a:solidFill>
+                  <a:schemeClr val="tx1"/>
+                </a:solidFill>
+                <a:effectLst/>
+                <a:latin typeface="+mn-lt"/>
+                <a:ea typeface="+mn-ea"/>
+                <a:cs typeface="+mn-cs"/>
+                <a:hlinkClick r:id="rId3"/>
+              </a:rPr>
+              <a:t>http://www.broadleafcommerce.com/faq?recaptchaPublicKey=6Lct6_ESAAAAAA1rzWdQDmWx1WC8804UaOaBEj2t#q2</a:t>
+            </a:r>
+            <a:r>
+              <a:rPr lang="en-US" sz="1200" kern="1200" dirty="0" smtClean="0">
+                <a:solidFill>
+                  <a:schemeClr val="tx1"/>
+                </a:solidFill>
+                <a:effectLst/>
+                <a:latin typeface="+mn-lt"/>
+                <a:ea typeface="+mn-ea"/>
+                <a:cs typeface="+mn-cs"/>
+              </a:rPr>
+              <a:t> </a:t>
+            </a:r>
+            <a:endParaRPr lang="en-US" sz="1200" kern="1200" dirty="0" smtClean="0">
+              <a:solidFill>
+                <a:schemeClr val="tx1"/>
+              </a:solidFill>
+              <a:effectLst/>
+              <a:latin typeface="+mn-lt"/>
+              <a:ea typeface="+mn-ea"/>
+              <a:cs typeface="+mn-cs"/>
+            </a:endParaRPr>
+          </a:p>
+          <a:p>
+            <a:endParaRPr lang="en-US" sz="1200" kern="1200" dirty="0" smtClean="0">
+              <a:solidFill>
+                <a:schemeClr val="tx1"/>
+              </a:solidFill>
+              <a:effectLst/>
+              <a:latin typeface="+mn-lt"/>
+              <a:ea typeface="+mn-ea"/>
+              <a:cs typeface="+mn-cs"/>
+            </a:endParaRPr>
+          </a:p>
+          <a:p>
+            <a:r>
+              <a:rPr lang="en-US" sz="1200" kern="1200" dirty="0" smtClean="0">
+                <a:solidFill>
+                  <a:schemeClr val="tx1"/>
+                </a:solidFill>
+                <a:effectLst/>
+                <a:latin typeface="+mn-lt"/>
+                <a:ea typeface="+mn-ea"/>
+                <a:cs typeface="+mn-cs"/>
+              </a:rPr>
+              <a:t>You can use any relational database that Hibernate </a:t>
+            </a:r>
+            <a:r>
+              <a:rPr lang="en-US" sz="1200" u="sng" kern="1200" dirty="0" smtClean="0">
+                <a:solidFill>
+                  <a:schemeClr val="tx1"/>
+                </a:solidFill>
+                <a:effectLst/>
+                <a:latin typeface="+mn-lt"/>
+                <a:ea typeface="+mn-ea"/>
+                <a:cs typeface="+mn-cs"/>
+                <a:hlinkClick r:id="rId4"/>
+              </a:rPr>
+              <a:t>supports</a:t>
+            </a:r>
+            <a:r>
+              <a:rPr lang="en-US" sz="1200" kern="1200" dirty="0" smtClean="0">
+                <a:solidFill>
+                  <a:schemeClr val="tx1"/>
+                </a:solidFill>
+                <a:effectLst/>
+                <a:latin typeface="+mn-lt"/>
+                <a:ea typeface="+mn-ea"/>
+                <a:cs typeface="+mn-cs"/>
+              </a:rPr>
+              <a:t>. But no </a:t>
+            </a:r>
+            <a:r>
+              <a:rPr lang="en-US" sz="1200" kern="1200" dirty="0" err="1" smtClean="0">
+                <a:solidFill>
+                  <a:schemeClr val="tx1"/>
+                </a:solidFill>
+                <a:effectLst/>
+                <a:latin typeface="+mn-lt"/>
+                <a:ea typeface="+mn-ea"/>
+                <a:cs typeface="+mn-cs"/>
+              </a:rPr>
+              <a:t>noSQL</a:t>
+            </a:r>
+            <a:r>
+              <a:rPr lang="en-US" sz="1200" kern="1200" dirty="0" smtClean="0">
+                <a:solidFill>
+                  <a:schemeClr val="tx1"/>
+                </a:solidFill>
+                <a:effectLst/>
+                <a:latin typeface="+mn-lt"/>
+                <a:ea typeface="+mn-ea"/>
+                <a:cs typeface="+mn-cs"/>
+              </a:rPr>
+              <a:t> data storage. We have done the majority of our testing with MySQL 5.1, Oracle 9i and 10g, and HSQLDB. </a:t>
+            </a:r>
+          </a:p>
+          <a:p>
+            <a:r>
+              <a:rPr lang="en-US" sz="1200" u="sng" kern="1200" dirty="0" smtClean="0">
+                <a:solidFill>
+                  <a:schemeClr val="tx1"/>
+                </a:solidFill>
+                <a:effectLst/>
+                <a:latin typeface="+mn-lt"/>
+                <a:ea typeface="+mn-ea"/>
+                <a:cs typeface="+mn-cs"/>
+                <a:hlinkClick r:id="rId5"/>
+              </a:rPr>
+              <a:t>http://www.broadleafcommerce.com/faq?recaptchaPublicKey=6Lct6_ESAAAAAA1rzWdQDmWx1WC8804UaOaBEj2t#q4</a:t>
+            </a:r>
+            <a:r>
+              <a:rPr lang="en-US" sz="1200" kern="1200" dirty="0" smtClean="0">
+                <a:solidFill>
+                  <a:schemeClr val="tx1"/>
+                </a:solidFill>
+                <a:effectLst/>
+                <a:latin typeface="+mn-lt"/>
+                <a:ea typeface="+mn-ea"/>
+                <a:cs typeface="+mn-cs"/>
+              </a:rPr>
+              <a:t> </a:t>
+            </a:r>
+          </a:p>
+          <a:p>
+            <a:endParaRPr lang="en-US" sz="1200" kern="1200" smtClean="0">
+              <a:solidFill>
+                <a:schemeClr val="tx1"/>
+              </a:solidFill>
+              <a:effectLst/>
+              <a:latin typeface="+mn-lt"/>
+              <a:ea typeface="+mn-ea"/>
+              <a:cs typeface="+mn-cs"/>
+            </a:endParaRPr>
+          </a:p>
+          <a:p>
+            <a:r>
+              <a:rPr lang="en-US" sz="1200" kern="1200" smtClean="0">
+                <a:solidFill>
+                  <a:schemeClr val="tx1"/>
+                </a:solidFill>
+                <a:effectLst/>
+                <a:latin typeface="+mn-lt"/>
+                <a:ea typeface="+mn-ea"/>
+                <a:cs typeface="+mn-cs"/>
+              </a:rPr>
+              <a:t>We </a:t>
+            </a:r>
+            <a:r>
+              <a:rPr lang="en-US" sz="1200" kern="1200" dirty="0" smtClean="0">
+                <a:solidFill>
+                  <a:schemeClr val="tx1"/>
+                </a:solidFill>
+                <a:effectLst/>
+                <a:latin typeface="+mn-lt"/>
+                <a:ea typeface="+mn-ea"/>
+                <a:cs typeface="+mn-cs"/>
+              </a:rPr>
+              <a:t>have deployed Broadleaf Commerce to Amazon EC2, Rackspace Cloud, </a:t>
+            </a:r>
+            <a:r>
+              <a:rPr lang="en-US" sz="1200" kern="1200" dirty="0" err="1" smtClean="0">
+                <a:solidFill>
+                  <a:schemeClr val="tx1"/>
+                </a:solidFill>
+                <a:effectLst/>
+                <a:latin typeface="+mn-lt"/>
+                <a:ea typeface="+mn-ea"/>
+                <a:cs typeface="+mn-cs"/>
+              </a:rPr>
+              <a:t>CloudBees</a:t>
+            </a:r>
+            <a:r>
+              <a:rPr lang="en-US" sz="1200" kern="1200" dirty="0" smtClean="0">
+                <a:solidFill>
+                  <a:schemeClr val="tx1"/>
+                </a:solidFill>
+                <a:effectLst/>
+                <a:latin typeface="+mn-lt"/>
+                <a:ea typeface="+mn-ea"/>
+                <a:cs typeface="+mn-cs"/>
+              </a:rPr>
+              <a:t>, </a:t>
+            </a:r>
+            <a:r>
+              <a:rPr lang="en-US" sz="1200" kern="1200" dirty="0" err="1" smtClean="0">
+                <a:solidFill>
+                  <a:schemeClr val="tx1"/>
+                </a:solidFill>
+                <a:effectLst/>
+                <a:latin typeface="+mn-lt"/>
+                <a:ea typeface="+mn-ea"/>
+                <a:cs typeface="+mn-cs"/>
+              </a:rPr>
+              <a:t>CloudFoundry</a:t>
+            </a:r>
+            <a:r>
+              <a:rPr lang="en-US" sz="1200" kern="1200" dirty="0" smtClean="0">
+                <a:solidFill>
+                  <a:schemeClr val="tx1"/>
+                </a:solidFill>
+                <a:effectLst/>
+                <a:latin typeface="+mn-lt"/>
+                <a:ea typeface="+mn-ea"/>
+                <a:cs typeface="+mn-cs"/>
+              </a:rPr>
+              <a:t>, </a:t>
+            </a:r>
+            <a:r>
+              <a:rPr lang="en-US" sz="1200" kern="1200" dirty="0" err="1" smtClean="0">
+                <a:solidFill>
+                  <a:schemeClr val="tx1"/>
+                </a:solidFill>
+                <a:effectLst/>
+                <a:latin typeface="+mn-lt"/>
+                <a:ea typeface="+mn-ea"/>
+                <a:cs typeface="+mn-cs"/>
+              </a:rPr>
+              <a:t>Hiroku</a:t>
+            </a:r>
+            <a:r>
+              <a:rPr lang="en-US" sz="1200" kern="1200" dirty="0" smtClean="0">
+                <a:solidFill>
+                  <a:schemeClr val="tx1"/>
+                </a:solidFill>
+                <a:effectLst/>
+                <a:latin typeface="+mn-lt"/>
+                <a:ea typeface="+mn-ea"/>
+                <a:cs typeface="+mn-cs"/>
+              </a:rPr>
+              <a:t>, and Amazon Elastic Beanstalk. </a:t>
+            </a:r>
+          </a:p>
+          <a:p>
+            <a:r>
+              <a:rPr lang="en-US" sz="1200" u="sng" kern="1200" dirty="0" smtClean="0">
+                <a:solidFill>
+                  <a:schemeClr val="tx1"/>
+                </a:solidFill>
+                <a:effectLst/>
+                <a:latin typeface="+mn-lt"/>
+                <a:ea typeface="+mn-ea"/>
+                <a:cs typeface="+mn-cs"/>
+                <a:hlinkClick r:id="rId6"/>
+              </a:rPr>
+              <a:t>http://</a:t>
+            </a:r>
+            <a:r>
+              <a:rPr lang="en-US" sz="1200" u="sng" kern="1200" dirty="0" smtClean="0">
+                <a:solidFill>
+                  <a:schemeClr val="tx1"/>
+                </a:solidFill>
+                <a:effectLst/>
+                <a:latin typeface="+mn-lt"/>
+                <a:ea typeface="+mn-ea"/>
+                <a:cs typeface="+mn-cs"/>
+                <a:hlinkClick r:id="rId6"/>
+              </a:rPr>
+              <a:t>www.broadleafcommerce.com/faq?recaptchaPublicKey=6Lct6_ESAAAAAA1rzWdQDmWx1WC8804UaOaBEj2t#q5</a:t>
+            </a:r>
+            <a:r>
+              <a:rPr lang="en-US" dirty="0" smtClean="0">
+                <a:effectLst/>
+              </a:rPr>
+              <a:t> </a:t>
+            </a:r>
+          </a:p>
+          <a:p>
+            <a:endParaRPr lang="en-US" dirty="0" smtClean="0">
+              <a:effectLst/>
+            </a:endParaRPr>
+          </a:p>
+          <a:p>
+            <a:r>
+              <a:rPr lang="en-US" sz="1200" kern="1200" dirty="0" smtClean="0">
+                <a:solidFill>
+                  <a:schemeClr val="tx1"/>
+                </a:solidFill>
+                <a:effectLst/>
+                <a:latin typeface="+mn-lt"/>
+                <a:ea typeface="+mn-ea"/>
+                <a:cs typeface="+mn-cs"/>
+              </a:rPr>
+              <a:t>Integrate many frameworks which may cause risk to port application</a:t>
             </a:r>
             <a:endParaRPr lang="en-US" dirty="0"/>
           </a:p>
@@ -4265,6 +4828,14 @@
               <a:rPr lang="en-US" dirty="0" err="1" smtClean="0"/>
               <a:t>RESTful</a:t>
             </a:r>
+            <a:r>
+              <a:rPr lang="en-US" dirty="0" smtClean="0"/>
+              <a:t> (</a:t>
+            </a:r>
+            <a:r>
+              <a:rPr lang="en-US" dirty="0" smtClean="0"/>
+              <a:t>Jersey)</a:t>
+            </a:r>
             <a:endParaRPr lang="en-US" dirty="0" smtClean="0"/>
           </a:p>
           <a:p>
@@ -4410,7 +4981,15 @@
             </a:pPr>
             <a:r>
               <a:rPr lang="en-US" dirty="0" smtClean="0"/>
-              <a:t>Not found design documents</a:t>
+              <a:t>Not </a:t>
+            </a:r>
+            <a:r>
+              <a:rPr lang="en-US" dirty="0" smtClean="0"/>
+              <a:t>found any </a:t>
+            </a:r>
+            <a:r>
+              <a:rPr lang="en-US" dirty="0" smtClean="0"/>
+              <a:t>design documents</a:t>
             </a:r>
           </a:p>
           <a:p>
@@ -4425,8 +5004,21 @@
             </a:pPr>
             <a:r>
               <a:rPr lang="en-US" dirty="0" smtClean="0"/>
-              <a:t>Server log</a:t>
-            </a:r>
+              <a:t>Server </a:t>
+            </a:r>
+            <a:r>
+              <a:rPr lang="en-US" dirty="0" smtClean="0"/>
+              <a:t>log, </a:t>
+            </a:r>
+            <a:r>
+              <a:rPr lang="en-US" dirty="0" err="1"/>
+              <a:t>QoS</a:t>
+            </a:r>
+            <a:r>
+              <a:rPr lang="en-US" dirty="0"/>
+              <a:t> (Quality Of Service)</a:t>
+            </a:r>
+            <a:endParaRPr lang="en-US" dirty="0" smtClean="0"/>
           </a:p>
           <a:p>
             <a:pPr marL="0" indent="0">
@@ -4581,11 +5173,11 @@
             </a:pPr>
             <a:r>
               <a:rPr lang="en-US" dirty="0"/>
-              <a:t>	- CMS </a:t>
+              <a:t>	- </a:t>
             </a:r>
             <a:r>
               <a:rPr lang="en-US" dirty="0" smtClean="0"/>
-              <a:t>Feature</a:t>
+              <a:t>Provide CMS to customize UI</a:t>
             </a:r>
           </a:p>
           <a:p>
@@ -4729,15 +5321,7 @@
           <a:p>
             <a:r>
               <a:rPr lang="en-US" dirty="0"/>
-              <a:t>Broadleaf </a:t>
-            </a:r>
-            <a:r>
-              <a:rPr lang="en-US" dirty="0"/>
-              <a:t>Commerce is </a:t>
-            </a:r>
-            <a:r>
-              <a:rPr lang="en-US" dirty="0"/>
-              <a:t>an </a:t>
+              <a:t>Broadleaf Commerce is an </a:t>
             </a:r>
             <a:r>
               <a:rPr lang="en-US" dirty="0" err="1"/>

--- a/XIE/Presentation1.pptx
+++ b/XIE/Presentation1.pptx
@@ -524,22 +524,19 @@
                 <a:ea typeface="+mn-ea"/>
                 <a:cs typeface="+mn-cs"/>
               </a:rPr>
-              <a:t>Jersey</a:t>
-            </a:r>
-          </a:p>
-          <a:p>
-            <a:r>
-              <a:rPr lang="en-US" sz="1200" u="sng" kern="1200" dirty="0" smtClean="0">
-                <a:solidFill>
-                  <a:schemeClr val="tx1"/>
-                </a:solidFill>
-                <a:effectLst/>
-                <a:latin typeface="+mn-lt"/>
-                <a:ea typeface="+mn-ea"/>
-                <a:cs typeface="+mn-cs"/>
-                <a:hlinkClick r:id="rId3"/>
-              </a:rPr>
-              <a:t>http://www.broadleafcommerce.com/technology-stack</a:t>
+              <a:t>Jersey,</a:t>
+            </a:r>
+            <a:r>
+              <a:rPr lang="en-US" sz="1200" kern="1200" baseline="0" dirty="0" smtClean="0">
+                <a:solidFill>
+                  <a:schemeClr val="tx1"/>
+                </a:solidFill>
+                <a:effectLst/>
+                <a:latin typeface="+mn-lt"/>
+                <a:ea typeface="+mn-ea"/>
+                <a:cs typeface="+mn-cs"/>
+              </a:rPr>
+              <a:t> Spring, Hibernate</a:t>
             </a:r>
             <a:endParaRPr lang="en-US" sz="1200" kern="1200" dirty="0" smtClean="0">
               <a:solidFill>
@@ -552,7 +549,360 @@
             </a:endParaRPr>
           </a:p>
           <a:p>
-            <a:endParaRPr lang="en-US" dirty="0"/>
+            <a:r>
+              <a:rPr lang="en-US" sz="1200" u="sng" kern="1200" dirty="0" smtClean="0">
+                <a:solidFill>
+                  <a:schemeClr val="tx1"/>
+                </a:solidFill>
+                <a:effectLst/>
+                <a:latin typeface="+mn-lt"/>
+                <a:ea typeface="+mn-ea"/>
+                <a:cs typeface="+mn-cs"/>
+                <a:hlinkClick r:id="rId3"/>
+              </a:rPr>
+              <a:t>http://</a:t>
+            </a:r>
+            <a:r>
+              <a:rPr lang="en-US" sz="1200" u="sng" kern="1200" dirty="0" smtClean="0">
+                <a:solidFill>
+                  <a:schemeClr val="tx1"/>
+                </a:solidFill>
+                <a:effectLst/>
+                <a:latin typeface="+mn-lt"/>
+                <a:ea typeface="+mn-ea"/>
+                <a:cs typeface="+mn-cs"/>
+                <a:hlinkClick r:id="rId3"/>
+              </a:rPr>
+              <a:t>www.broadleafcommerce.com/technology-stack</a:t>
+            </a:r>
+            <a:endParaRPr lang="en-US" sz="1200" u="sng" kern="1200" dirty="0" smtClean="0">
+              <a:solidFill>
+                <a:schemeClr val="tx1"/>
+              </a:solidFill>
+              <a:effectLst/>
+              <a:latin typeface="+mn-lt"/>
+              <a:ea typeface="+mn-ea"/>
+              <a:cs typeface="+mn-cs"/>
+            </a:endParaRPr>
+          </a:p>
+          <a:p>
+            <a:endParaRPr lang="en-US" sz="1200" u="sng" kern="1200" dirty="0" smtClean="0">
+              <a:solidFill>
+                <a:schemeClr val="tx1"/>
+              </a:solidFill>
+              <a:effectLst/>
+              <a:latin typeface="+mn-lt"/>
+              <a:ea typeface="+mn-ea"/>
+              <a:cs typeface="+mn-cs"/>
+            </a:endParaRPr>
+          </a:p>
+          <a:p>
+            <a:r>
+              <a:rPr lang="en-US" altLang="zh-CN" sz="1200" kern="1200" dirty="0" smtClean="0">
+                <a:solidFill>
+                  <a:schemeClr val="tx1"/>
+                </a:solidFill>
+                <a:effectLst/>
+                <a:latin typeface="+mn-lt"/>
+                <a:ea typeface="+mn-ea"/>
+                <a:cs typeface="+mn-cs"/>
+              </a:rPr>
+              <a:t>Issue</a:t>
+            </a:r>
+          </a:p>
+          <a:p>
+            <a:pPr marL="0" marR="0" indent="0" algn="l" defTabSz="914400" rtl="0" eaLnBrk="1" fontAlgn="auto" latinLnBrk="0" hangingPunct="1">
+              <a:lnSpc>
+                <a:spcPct val="100000"/>
+              </a:lnSpc>
+              <a:spcBef>
+                <a:spcPts val="0"/>
+              </a:spcBef>
+              <a:spcAft>
+                <a:spcPts val="0"/>
+              </a:spcAft>
+              <a:buClrTx/>
+              <a:buSzTx/>
+              <a:buFontTx/>
+              <a:buNone/>
+              <a:tabLst/>
+              <a:defRPr/>
+            </a:pPr>
+            <a:r>
+              <a:rPr lang="en-US" sz="1200" u="sng" kern="1200" dirty="0" smtClean="0">
+                <a:solidFill>
+                  <a:schemeClr val="tx1"/>
+                </a:solidFill>
+                <a:effectLst/>
+                <a:latin typeface="+mn-lt"/>
+                <a:ea typeface="+mn-ea"/>
+                <a:cs typeface="+mn-cs"/>
+                <a:hlinkClick r:id="rId4"/>
+              </a:rPr>
+              <a:t>https://github.com/BroadleafCommerce/BroadleafCommerce/blob/BroadleafCommerce-4.0.x/CONTRIBUTING.md#issues</a:t>
+            </a:r>
+            <a:endParaRPr lang="en-US" sz="1200" kern="1200" dirty="0" smtClean="0">
+              <a:solidFill>
+                <a:schemeClr val="tx1"/>
+              </a:solidFill>
+              <a:effectLst/>
+              <a:latin typeface="+mn-lt"/>
+              <a:ea typeface="+mn-ea"/>
+              <a:cs typeface="+mn-cs"/>
+            </a:endParaRPr>
+          </a:p>
+          <a:p>
+            <a:endParaRPr lang="en-US" sz="1200" kern="1200" dirty="0" smtClean="0">
+              <a:solidFill>
+                <a:schemeClr val="tx1"/>
+              </a:solidFill>
+              <a:effectLst/>
+              <a:latin typeface="+mn-lt"/>
+              <a:ea typeface="+mn-ea"/>
+              <a:cs typeface="+mn-cs"/>
+            </a:endParaRPr>
+          </a:p>
+          <a:p>
+            <a:r>
+              <a:rPr lang="en-US" sz="1200" kern="1200" dirty="0" smtClean="0">
+                <a:solidFill>
+                  <a:schemeClr val="tx1"/>
+                </a:solidFill>
+                <a:effectLst/>
+                <a:latin typeface="+mn-lt"/>
+                <a:ea typeface="+mn-ea"/>
+                <a:cs typeface="+mn-cs"/>
+              </a:rPr>
+              <a:t>Pull</a:t>
+            </a:r>
+          </a:p>
+          <a:p>
+            <a:r>
+              <a:rPr lang="en-US" sz="1200" u="sng" kern="1200" dirty="0" smtClean="0">
+                <a:solidFill>
+                  <a:schemeClr val="tx1"/>
+                </a:solidFill>
+                <a:effectLst/>
+                <a:latin typeface="+mn-lt"/>
+                <a:ea typeface="+mn-ea"/>
+                <a:cs typeface="+mn-cs"/>
+                <a:hlinkClick r:id="rId5"/>
+              </a:rPr>
+              <a:t>https://github.com/BroadleafCommerce/BroadleafCommerce/blob/BroadleafCommerce-4.0.x/CONTRIBUTING.md#fix-it-yourself-with-a-pull-request</a:t>
+            </a:r>
+            <a:endParaRPr lang="en-US" sz="1200" u="sng" kern="1200" dirty="0" smtClean="0">
+              <a:solidFill>
+                <a:schemeClr val="tx1"/>
+              </a:solidFill>
+              <a:effectLst/>
+              <a:latin typeface="+mn-lt"/>
+              <a:ea typeface="+mn-ea"/>
+              <a:cs typeface="+mn-cs"/>
+            </a:endParaRPr>
+          </a:p>
+          <a:p>
+            <a:pPr marL="0" marR="0" indent="0" algn="l" defTabSz="914400" rtl="0" eaLnBrk="1" fontAlgn="auto" latinLnBrk="0" hangingPunct="1">
+              <a:lnSpc>
+                <a:spcPct val="100000"/>
+              </a:lnSpc>
+              <a:spcBef>
+                <a:spcPts val="0"/>
+              </a:spcBef>
+              <a:spcAft>
+                <a:spcPts val="0"/>
+              </a:spcAft>
+              <a:buClrTx/>
+              <a:buSzTx/>
+              <a:buFontTx/>
+              <a:buNone/>
+              <a:tabLst/>
+              <a:defRPr/>
+            </a:pPr>
+            <a:endParaRPr lang="en-US" sz="1200" kern="1200" dirty="0" smtClean="0">
+              <a:solidFill>
+                <a:schemeClr val="tx1"/>
+              </a:solidFill>
+              <a:effectLst/>
+              <a:latin typeface="+mn-lt"/>
+              <a:ea typeface="+mn-ea"/>
+              <a:cs typeface="+mn-cs"/>
+            </a:endParaRPr>
+          </a:p>
+          <a:p>
+            <a:pPr marL="0" marR="0" indent="0" algn="l" defTabSz="914400" rtl="0" eaLnBrk="1" fontAlgn="auto" latinLnBrk="0" hangingPunct="1">
+              <a:lnSpc>
+                <a:spcPct val="100000"/>
+              </a:lnSpc>
+              <a:spcBef>
+                <a:spcPts val="0"/>
+              </a:spcBef>
+              <a:spcAft>
+                <a:spcPts val="0"/>
+              </a:spcAft>
+              <a:buClrTx/>
+              <a:buSzTx/>
+              <a:buFontTx/>
+              <a:buNone/>
+              <a:tabLst/>
+              <a:defRPr/>
+            </a:pPr>
+            <a:r>
+              <a:rPr lang="en-US" sz="1200" kern="1200" dirty="0" smtClean="0">
+                <a:solidFill>
+                  <a:schemeClr val="tx1"/>
+                </a:solidFill>
+                <a:effectLst/>
+                <a:latin typeface="+mn-lt"/>
+                <a:ea typeface="+mn-ea"/>
+                <a:cs typeface="+mn-cs"/>
+              </a:rPr>
+              <a:t>Branching</a:t>
+            </a:r>
+            <a:endParaRPr lang="en-US" sz="1200" u="sng" kern="1200" dirty="0" smtClean="0">
+              <a:solidFill>
+                <a:schemeClr val="tx1"/>
+              </a:solidFill>
+              <a:effectLst/>
+              <a:latin typeface="+mn-lt"/>
+              <a:ea typeface="+mn-ea"/>
+              <a:cs typeface="+mn-cs"/>
+              <a:hlinkClick r:id="rId6"/>
+            </a:endParaRPr>
+          </a:p>
+          <a:p>
+            <a:r>
+              <a:rPr lang="en-US" sz="1200" u="sng" kern="1200" dirty="0" smtClean="0">
+                <a:solidFill>
+                  <a:schemeClr val="tx1"/>
+                </a:solidFill>
+                <a:effectLst/>
+                <a:latin typeface="+mn-lt"/>
+                <a:ea typeface="+mn-ea"/>
+                <a:cs typeface="+mn-cs"/>
+                <a:hlinkClick r:id="rId6"/>
+              </a:rPr>
+              <a:t>https://github.com/BroadleafCommerce/BroadleafCommerce/blob/BroadleafCommerce-4.0.x/CONTRIBUTING.md#broadleaf-commerce-branching-strategy</a:t>
+            </a:r>
+            <a:endParaRPr lang="en-US" sz="1200" u="sng" kern="1200" dirty="0" smtClean="0">
+              <a:solidFill>
+                <a:schemeClr val="tx1"/>
+              </a:solidFill>
+              <a:effectLst/>
+              <a:latin typeface="+mn-lt"/>
+              <a:ea typeface="+mn-ea"/>
+              <a:cs typeface="+mn-cs"/>
+            </a:endParaRPr>
+          </a:p>
+          <a:p>
+            <a:endParaRPr lang="en-US" sz="1200" kern="1200" dirty="0" smtClean="0">
+              <a:solidFill>
+                <a:schemeClr val="tx1"/>
+              </a:solidFill>
+              <a:effectLst/>
+              <a:latin typeface="+mn-lt"/>
+              <a:ea typeface="+mn-ea"/>
+              <a:cs typeface="+mn-cs"/>
+            </a:endParaRPr>
+          </a:p>
+          <a:p>
+            <a:r>
+              <a:rPr lang="en-US" sz="1200" kern="1200" dirty="0" smtClean="0">
+                <a:solidFill>
+                  <a:schemeClr val="tx1"/>
+                </a:solidFill>
+                <a:effectLst/>
+                <a:latin typeface="+mn-lt"/>
+                <a:ea typeface="+mn-ea"/>
+                <a:cs typeface="+mn-cs"/>
+              </a:rPr>
+              <a:t>Code</a:t>
+            </a:r>
+            <a:r>
+              <a:rPr lang="en-US" sz="1200" kern="1200" baseline="0" dirty="0" smtClean="0">
+                <a:solidFill>
+                  <a:schemeClr val="tx1"/>
+                </a:solidFill>
+                <a:effectLst/>
+                <a:latin typeface="+mn-lt"/>
+                <a:ea typeface="+mn-ea"/>
+                <a:cs typeface="+mn-cs"/>
+              </a:rPr>
+              <a:t> style</a:t>
+            </a:r>
+          </a:p>
+          <a:p>
+            <a:pPr marL="0" marR="0" lvl="0" indent="0" algn="l" defTabSz="914400" rtl="0" eaLnBrk="1" fontAlgn="auto" latinLnBrk="0" hangingPunct="1">
+              <a:lnSpc>
+                <a:spcPct val="100000"/>
+              </a:lnSpc>
+              <a:spcBef>
+                <a:spcPts val="0"/>
+              </a:spcBef>
+              <a:spcAft>
+                <a:spcPts val="0"/>
+              </a:spcAft>
+              <a:buClrTx/>
+              <a:buSzTx/>
+              <a:buFontTx/>
+              <a:buNone/>
+              <a:tabLst/>
+              <a:defRPr/>
+            </a:pPr>
+            <a:r>
+              <a:rPr lang="en-US" sz="1200" u="sng" kern="1200" dirty="0" smtClean="0">
+                <a:solidFill>
+                  <a:schemeClr val="tx1"/>
+                </a:solidFill>
+                <a:effectLst/>
+                <a:latin typeface="+mn-lt"/>
+                <a:ea typeface="+mn-ea"/>
+                <a:cs typeface="+mn-cs"/>
+                <a:hlinkClick r:id="rId7" invalidUrl="http://f.cl.ly/items/1P3X2a2E1n1e3d3S3g3L/Broadleaf Eclipse Formatter.xml"/>
+              </a:rPr>
+              <a:t>http://f.cl.ly/items/1P3X2a2E1n1e3d3S3g3L/Broadleaf%20Eclipse%20Formatter.xml</a:t>
+            </a:r>
+            <a:endParaRPr lang="en-US" sz="1200" kern="1200" dirty="0" smtClean="0">
+              <a:solidFill>
+                <a:schemeClr val="tx1"/>
+              </a:solidFill>
+              <a:effectLst/>
+              <a:latin typeface="+mn-lt"/>
+              <a:ea typeface="+mn-ea"/>
+              <a:cs typeface="+mn-cs"/>
+            </a:endParaRPr>
+          </a:p>
+          <a:p>
+            <a:endParaRPr lang="en-US" sz="1200" kern="1200" baseline="0" dirty="0" smtClean="0">
+              <a:solidFill>
+                <a:schemeClr val="tx1"/>
+              </a:solidFill>
+              <a:effectLst/>
+              <a:latin typeface="+mn-lt"/>
+              <a:ea typeface="+mn-ea"/>
+              <a:cs typeface="+mn-cs"/>
+            </a:endParaRPr>
+          </a:p>
+          <a:p>
+            <a:endParaRPr lang="en-US" sz="1200" kern="1200" baseline="0" dirty="0" smtClean="0">
+              <a:solidFill>
+                <a:schemeClr val="tx1"/>
+              </a:solidFill>
+              <a:effectLst/>
+              <a:latin typeface="+mn-lt"/>
+              <a:ea typeface="+mn-ea"/>
+              <a:cs typeface="+mn-cs"/>
+            </a:endParaRPr>
+          </a:p>
+          <a:p>
+            <a:endParaRPr lang="en-US" sz="1200" kern="1200" dirty="0" smtClean="0">
+              <a:solidFill>
+                <a:schemeClr val="tx1"/>
+              </a:solidFill>
+              <a:effectLst/>
+              <a:latin typeface="+mn-lt"/>
+              <a:ea typeface="+mn-ea"/>
+              <a:cs typeface="+mn-cs"/>
+            </a:endParaRPr>
           </a:p>
         </p:txBody>
       </p:sp>
@@ -1531,6 +1881,8 @@
               </a:rPr>
               <a:t> </a:t>
             </a:r>
+          </a:p>
+          <a:p>
             <a:endParaRPr lang="en-US" sz="1200" kern="1200" dirty="0" smtClean="0">
               <a:solidFill>
                 <a:schemeClr val="tx1"/>
@@ -1542,17 +1894,6 @@
             </a:endParaRPr>
           </a:p>
           <a:p>
-            <a:endParaRPr lang="en-US" sz="1200" kern="1200" dirty="0" smtClean="0">
-              <a:solidFill>
-                <a:schemeClr val="tx1"/>
-              </a:solidFill>
-              <a:effectLst/>
-              <a:latin typeface="+mn-lt"/>
-              <a:ea typeface="+mn-ea"/>
-              <a:cs typeface="+mn-cs"/>
-            </a:endParaRPr>
-          </a:p>
-          <a:p>
             <a:r>
               <a:rPr lang="en-US" sz="1200" kern="1200" dirty="0" smtClean="0">
                 <a:solidFill>
@@ -1763,20 +2104,7 @@
                 <a:cs typeface="+mn-cs"/>
                 <a:hlinkClick r:id="rId6"/>
               </a:rPr>
-              <a:t>http://</a:t>
-            </a:r>
-            <a:r>
-              <a:rPr lang="en-US" sz="1200" u="sng" kern="1200" dirty="0" smtClean="0">
-                <a:solidFill>
-                  <a:schemeClr val="tx1"/>
-                </a:solidFill>
-                <a:effectLst/>
-                <a:latin typeface="+mn-lt"/>
-                <a:ea typeface="+mn-ea"/>
-                <a:cs typeface="+mn-cs"/>
-                <a:hlinkClick r:id="rId6"/>
-              </a:rPr>
-              <a:t>www.broadleafcommerce.com/faq?recaptchaPublicKey=6Lct6_ESAAAAAA1rzWdQDmWx1WC8804UaOaBEj2t#q5</a:t>
+              <a:t>http://www.broadleafcommerce.com/faq?recaptchaPublicKey=6Lct6_ESAAAAAA1rzWdQDmWx1WC8804UaOaBEj2t#q5</a:t>
             </a:r>
             <a:r>
               <a:rPr lang="en-US" dirty="0" smtClean="0">
@@ -4830,13 +5158,8 @@
             </a:r>
             <a:r>
               <a:rPr lang="en-US" dirty="0" smtClean="0"/>
-              <a:t> (</a:t>
-            </a:r>
-            <a:r>
-              <a:rPr lang="en-US" dirty="0" smtClean="0"/>
-              <a:t>Jersey)</a:t>
-            </a:r>
-            <a:endParaRPr lang="en-US" dirty="0" smtClean="0"/>
+              <a:t> (Jersey)</a:t>
+            </a:r>
           </a:p>
           <a:p>
             <a:r>
@@ -4981,15 +5304,7 @@
             </a:pPr>
             <a:r>
               <a:rPr lang="en-US" dirty="0" smtClean="0"/>
-              <a:t>Not </a:t>
-            </a:r>
-            <a:r>
-              <a:rPr lang="en-US" dirty="0" smtClean="0"/>
-              <a:t>found any </a:t>
-            </a:r>
-            <a:r>
-              <a:rPr lang="en-US" dirty="0" smtClean="0"/>
-              <a:t>design documents</a:t>
+              <a:t>Not found any design documents</a:t>
             </a:r>
           </a:p>
           <a:p>
@@ -5004,11 +5319,7 @@
             </a:pPr>
             <a:r>
               <a:rPr lang="en-US" dirty="0" smtClean="0"/>
-              <a:t>Server </a:t>
-            </a:r>
-            <a:r>
-              <a:rPr lang="en-US" dirty="0" smtClean="0"/>
-              <a:t>log, </a:t>
+              <a:t>Server log, </a:t>
             </a:r>
             <a:r>
               <a:rPr lang="en-US" dirty="0" err="1"/>
@@ -5464,8 +5775,21 @@
             </a:pPr>
             <a:r>
               <a:rPr lang="en-US" dirty="0" smtClean="0"/>
-              <a:t>	- Require SQL data storage</a:t>
-            </a:r>
+              <a:t>	- Require </a:t>
+            </a:r>
+            <a:r>
+              <a:rPr lang="en-US" smtClean="0"/>
+              <a:t>SQL </a:t>
+            </a:r>
+            <a:r>
+              <a:rPr lang="en-US" smtClean="0"/>
+              <a:t>database </a:t>
+            </a:r>
+            <a:r>
+              <a:rPr lang="en-US" dirty="0" smtClean="0"/>
+              <a:t>which is supported by Hibernate</a:t>
+            </a:r>
+            <a:endParaRPr lang="en-US" dirty="0" smtClean="0"/>
           </a:p>
           <a:p>
             <a:pPr marL="0" indent="0">

--- a/XIE/Presentation1.pptx
+++ b/XIE/Presentation1.pptx
@@ -560,20 +560,7 @@
                 <a:cs typeface="+mn-cs"/>
                 <a:hlinkClick r:id="rId3"/>
               </a:rPr>
-              <a:t>http://</a:t>
-            </a:r>
-            <a:r>
-              <a:rPr lang="en-US" sz="1200" u="sng" kern="1200" dirty="0" smtClean="0">
-                <a:solidFill>
-                  <a:schemeClr val="tx1"/>
-                </a:solidFill>
-                <a:effectLst/>
-                <a:latin typeface="+mn-lt"/>
-                <a:ea typeface="+mn-ea"/>
-                <a:cs typeface="+mn-cs"/>
-                <a:hlinkClick r:id="rId3"/>
-              </a:rPr>
-              <a:t>www.broadleafcommerce.com/technology-stack</a:t>
+              <a:t>http://www.broadleafcommerce.com/technology-stack</a:t>
             </a:r>
             <a:endParaRPr lang="en-US" sz="1200" u="sng" kern="1200" dirty="0" smtClean="0">
               <a:solidFill>
@@ -1175,7 +1162,7 @@
           <a:lstStyle/>
           <a:p>
             <a:r>
-              <a:rPr lang="en-US" sz="1200" kern="1200" dirty="0" smtClean="0">
+              <a:rPr lang="en-US" sz="1400" kern="1200" dirty="0" smtClean="0">
                 <a:solidFill>
                   <a:schemeClr val="tx1"/>
                 </a:solidFill>
@@ -1187,7 +1174,7 @@
               <a:t>Appropriateness </a:t>
             </a:r>
             <a:r>
-              <a:rPr lang="en-US" sz="1200" kern="1200" dirty="0" err="1" smtClean="0">
+              <a:rPr lang="en-US" sz="1400" kern="1200" dirty="0" err="1" smtClean="0">
                 <a:solidFill>
                   <a:schemeClr val="tx1"/>
                 </a:solidFill>
@@ -1199,7 +1186,7 @@
               <a:t>recognisability</a:t>
             </a:r>
             <a:r>
-              <a:rPr lang="en-US" sz="1200" kern="1200" dirty="0" smtClean="0">
+              <a:rPr lang="en-US" sz="1400" kern="1200" dirty="0" smtClean="0">
                 <a:solidFill>
                   <a:schemeClr val="tx1"/>
                 </a:solidFill>
@@ -1211,7 +1198,7 @@
               <a:t> </a:t>
             </a:r>
             <a:r>
-              <a:rPr lang="en-US" sz="1200" b="1" kern="1200" dirty="0" smtClean="0">
+              <a:rPr lang="en-US" sz="1400" b="1" kern="1200" dirty="0" smtClean="0">
                 <a:solidFill>
                   <a:schemeClr val="tx1"/>
                 </a:solidFill>
@@ -1226,7 +1213,7 @@
           <a:p>
             <a:pPr lvl="0"/>
             <a:r>
-              <a:rPr lang="en-US" sz="1200" kern="1200" dirty="0" smtClean="0">
+              <a:rPr lang="en-US" sz="1400" kern="1200" dirty="0" smtClean="0">
                 <a:solidFill>
                   <a:schemeClr val="tx1"/>
                 </a:solidFill>
@@ -1238,7 +1225,7 @@
               <a:t>	Features List</a:t>
             </a:r>
             <a:r>
-              <a:rPr lang="en-US" sz="1200" kern="1200" baseline="0" dirty="0" smtClean="0">
+              <a:rPr lang="en-US" sz="1400" kern="1200" baseline="0" dirty="0" smtClean="0">
                 <a:solidFill>
                   <a:schemeClr val="tx1"/>
                 </a:solidFill>
@@ -1250,7 +1237,7 @@
               <a:t> </a:t>
             </a:r>
             <a:r>
-              <a:rPr lang="en-US" sz="1200" u="sng" kern="1200" dirty="0" smtClean="0">
+              <a:rPr lang="en-US" sz="1400" u="sng" kern="1200" dirty="0" smtClean="0">
                 <a:solidFill>
                   <a:schemeClr val="tx1"/>
                 </a:solidFill>
@@ -1262,7 +1249,7 @@
               </a:rPr>
               <a:t>http://www.broadleafcommerce.com/features</a:t>
             </a:r>
-            <a:endParaRPr lang="en-US" sz="1200" kern="1200" dirty="0" smtClean="0">
+            <a:endParaRPr lang="en-US" sz="1400" kern="1200" dirty="0" smtClean="0">
               <a:solidFill>
                 <a:schemeClr val="tx1"/>
               </a:solidFill>
@@ -1275,7 +1262,7 @@
           <a:p>
             <a:pPr lvl="0"/>
             <a:r>
-              <a:rPr lang="en-US" sz="1200" kern="1200" dirty="0" smtClean="0">
+              <a:rPr lang="en-US" sz="1400" kern="1200" dirty="0" smtClean="0">
                 <a:solidFill>
                   <a:schemeClr val="tx1"/>
                 </a:solidFill>
@@ -1287,7 +1274,7 @@
               <a:t>	Demo site </a:t>
             </a:r>
             <a:r>
-              <a:rPr lang="en-US" sz="1200" u="sng" kern="1200" dirty="0" smtClean="0">
+              <a:rPr lang="en-US" sz="1400" u="sng" kern="1200" dirty="0" smtClean="0">
                 <a:solidFill>
                   <a:schemeClr val="tx1"/>
                 </a:solidFill>
@@ -1300,7 +1287,7 @@
               <a:t>http://demo.broadleafcommerce.org/</a:t>
             </a:r>
             <a:r>
-              <a:rPr lang="en-US" sz="1200" kern="1200" dirty="0" smtClean="0">
+              <a:rPr lang="en-US" sz="1400" kern="1200" dirty="0" smtClean="0">
                 <a:solidFill>
                   <a:schemeClr val="tx1"/>
                 </a:solidFill>
@@ -1314,7 +1301,7 @@
           </a:p>
           <a:p>
             <a:r>
-              <a:rPr lang="en-US" sz="1200" kern="1200" dirty="0" smtClean="0">
+              <a:rPr lang="en-US" sz="1400" kern="1200" dirty="0" smtClean="0">
                 <a:solidFill>
                   <a:schemeClr val="tx1"/>
                 </a:solidFill>
@@ -1329,7 +1316,7 @@
           <a:p>
             <a:pPr lvl="0"/>
             <a:r>
-              <a:rPr lang="en-US" sz="1200" kern="1200" dirty="0" smtClean="0">
+              <a:rPr lang="en-US" sz="1400" kern="1200" dirty="0" smtClean="0">
                 <a:solidFill>
                   <a:schemeClr val="tx1"/>
                 </a:solidFill>
@@ -1344,7 +1331,7 @@
           <a:p>
             <a:pPr lvl="0"/>
             <a:r>
-              <a:rPr lang="en-US" sz="1200" kern="1200" dirty="0" smtClean="0">
+              <a:rPr lang="en-US" sz="1400" kern="1200" dirty="0" smtClean="0">
                 <a:solidFill>
                   <a:schemeClr val="tx1"/>
                 </a:solidFill>
@@ -1358,7 +1345,7 @@
           </a:p>
           <a:p>
             <a:r>
-              <a:rPr lang="en-US" sz="1200" kern="1200" dirty="0" smtClean="0">
+              <a:rPr lang="en-US" sz="1400" kern="1200" dirty="0" smtClean="0">
                 <a:solidFill>
                   <a:schemeClr val="tx1"/>
                 </a:solidFill>
@@ -1373,7 +1360,7 @@
           <a:p>
             <a:pPr lvl="0"/>
             <a:r>
-              <a:rPr lang="en-US" sz="1200" kern="1200" dirty="0" smtClean="0">
+              <a:rPr lang="en-US" sz="1400" kern="1200" dirty="0" smtClean="0">
                 <a:solidFill>
                   <a:schemeClr val="tx1"/>
                 </a:solidFill>
@@ -1387,7 +1374,7 @@
           </a:p>
           <a:p>
             <a:r>
-              <a:rPr lang="en-US" sz="1200" kern="1200" dirty="0" smtClean="0">
+              <a:rPr lang="en-US" sz="1400" kern="1200" dirty="0" smtClean="0">
                 <a:solidFill>
                   <a:schemeClr val="tx1"/>
                 </a:solidFill>
@@ -1399,7 +1386,7 @@
               <a:t>	All front-end interface can be customized.(</a:t>
             </a:r>
             <a:r>
-              <a:rPr lang="en-US" sz="1200" kern="1200" dirty="0" err="1" smtClean="0">
+              <a:rPr lang="en-US" sz="1400" kern="1200" dirty="0" err="1" smtClean="0">
                 <a:solidFill>
                   <a:schemeClr val="tx1"/>
                 </a:solidFill>
@@ -1411,7 +1398,7 @@
               <a:t>cms</a:t>
             </a:r>
             <a:r>
-              <a:rPr lang="en-US" sz="1200" kern="1200" dirty="0" smtClean="0">
+              <a:rPr lang="en-US" sz="1400" kern="1200" dirty="0" smtClean="0">
                 <a:solidFill>
                   <a:schemeClr val="tx1"/>
                 </a:solidFill>
@@ -1425,7 +1412,7 @@
           </a:p>
           <a:p>
             <a:r>
-              <a:rPr lang="en-US" sz="1200" kern="1200" dirty="0" smtClean="0">
+              <a:rPr lang="en-US" sz="1400" kern="1200" dirty="0" smtClean="0">
                 <a:solidFill>
                   <a:schemeClr val="tx1"/>
                 </a:solidFill>
@@ -1437,7 +1424,7 @@
               <a:t> (</a:t>
             </a:r>
             <a:r>
-              <a:rPr lang="en-US" sz="1200" kern="1200" dirty="0" err="1" smtClean="0">
+              <a:rPr lang="en-US" sz="1400" kern="1200" dirty="0" err="1" smtClean="0">
                 <a:solidFill>
                   <a:schemeClr val="tx1"/>
                 </a:solidFill>
@@ -1449,7 +1436,7 @@
               <a:t>cms</a:t>
             </a:r>
             <a:r>
-              <a:rPr lang="en-US" sz="1200" kern="1200" dirty="0" smtClean="0">
+              <a:rPr lang="en-US" sz="1400" kern="1200" dirty="0" smtClean="0">
                 <a:solidFill>
                   <a:schemeClr val="tx1"/>
                 </a:solidFill>
@@ -1463,7 +1450,7 @@
           </a:p>
           <a:p>
             <a:r>
-              <a:rPr lang="en-US" sz="1200" b="1" u="none" kern="1200" dirty="0" smtClean="0">
+              <a:rPr lang="en-US" sz="1400" b="1" u="none" kern="1200" dirty="0" smtClean="0">
                 <a:solidFill>
                   <a:srgbClr val="FF0000"/>
                 </a:solidFill>
@@ -1476,7 +1463,7 @@
             </a:r>
           </a:p>
           <a:p>
-            <a:endParaRPr lang="en-US" sz="1200" b="1" u="none" kern="1200" dirty="0" smtClean="0">
+            <a:endParaRPr lang="en-US" sz="1400" b="1" u="none" kern="1200" dirty="0" smtClean="0">
               <a:solidFill>
                 <a:srgbClr val="FF0000"/>
               </a:solidFill>
@@ -1488,7 +1475,7 @@
           </a:p>
           <a:p>
             <a:r>
-              <a:rPr lang="en-US" sz="1200" b="1" u="none" kern="1200" dirty="0" smtClean="0">
+              <a:rPr lang="en-US" sz="1400" b="1" u="none" kern="1200" dirty="0" smtClean="0">
                 <a:solidFill>
                   <a:srgbClr val="FF0000"/>
                 </a:solidFill>
@@ -1502,7 +1489,7 @@
           </a:p>
           <a:p>
             <a:r>
-              <a:rPr lang="en-US" sz="1200" u="sng" kern="1200" dirty="0" smtClean="0">
+              <a:rPr lang="en-US" sz="1400" u="sng" kern="1200" dirty="0" smtClean="0">
                 <a:solidFill>
                   <a:schemeClr val="tx1"/>
                 </a:solidFill>
@@ -1514,7 +1501,7 @@
               </a:rPr>
               <a:t>http://www.broadleafcommerce.com/docs/core/current/tutorials/core-tutorials/extending-entities-tutorial</a:t>
             </a:r>
-            <a:endParaRPr lang="en-US" sz="1200" kern="1200" dirty="0" smtClean="0">
+            <a:endParaRPr lang="en-US" sz="1400" kern="1200" dirty="0" smtClean="0">
               <a:solidFill>
                 <a:schemeClr val="tx1"/>
               </a:solidFill>
@@ -1526,7 +1513,7 @@
           </a:p>
           <a:p>
             <a:r>
-              <a:rPr lang="en-US" sz="1200" u="sng" kern="1200" dirty="0" smtClean="0">
+              <a:rPr lang="en-US" sz="1400" u="sng" kern="1200" dirty="0" smtClean="0">
                 <a:solidFill>
                   <a:schemeClr val="tx1"/>
                 </a:solidFill>
@@ -1538,7 +1525,7 @@
               </a:rPr>
               <a:t>http://www.broadleafcommerce.com/docs/core/current/tutorials/core-tutorials/extending-services-tutorial</a:t>
             </a:r>
-            <a:endParaRPr lang="en-US" sz="1200" kern="1200" dirty="0" smtClean="0">
+            <a:endParaRPr lang="en-US" sz="1400" kern="1200" dirty="0" smtClean="0">
               <a:solidFill>
                 <a:schemeClr val="tx1"/>
               </a:solidFill>
@@ -1549,7 +1536,7 @@
             </a:endParaRPr>
           </a:p>
           <a:p>
-            <a:endParaRPr lang="en-US" dirty="0"/>
+            <a:endParaRPr lang="en-US" sz="1400" dirty="0"/>
           </a:p>
         </p:txBody>
       </p:sp>
@@ -1713,6 +1700,55 @@
             </a:r>
           </a:p>
           <a:p>
+            <a:endParaRPr lang="en-US" dirty="0" smtClean="0"/>
+          </a:p>
+          <a:p>
+            <a:endParaRPr lang="en-US" dirty="0" smtClean="0"/>
+          </a:p>
+          <a:p>
+            <a:pPr marL="0" marR="0" indent="0" algn="l" defTabSz="914400" rtl="0" eaLnBrk="1" fontAlgn="auto" latinLnBrk="0" hangingPunct="1">
+              <a:lnSpc>
+                <a:spcPct val="100000"/>
+              </a:lnSpc>
+              <a:spcBef>
+                <a:spcPts val="0"/>
+              </a:spcBef>
+              <a:spcAft>
+                <a:spcPts val="0"/>
+              </a:spcAft>
+              <a:buClrTx/>
+              <a:buSzTx/>
+              <a:buFontTx/>
+              <a:buNone/>
+              <a:tabLst/>
+              <a:defRPr/>
+            </a:pPr>
+            <a:r>
+              <a:rPr lang="en-US" sz="1200" kern="1200" smtClean="0">
+                <a:solidFill>
+                  <a:schemeClr val="tx1"/>
+                </a:solidFill>
+                <a:effectLst/>
+                <a:latin typeface="+mn-lt"/>
+                <a:ea typeface="+mn-ea"/>
+                <a:cs typeface="+mn-cs"/>
+              </a:rPr>
+              <a:t>Look</a:t>
+            </a:r>
+            <a:r>
+              <a:rPr lang="en-US" sz="1200" kern="1200" baseline="0" smtClean="0">
+                <a:solidFill>
+                  <a:schemeClr val="tx1"/>
+                </a:solidFill>
+                <a:effectLst/>
+                <a:latin typeface="+mn-lt"/>
+                <a:ea typeface="+mn-ea"/>
+                <a:cs typeface="+mn-cs"/>
+              </a:rPr>
+              <a:t> at code &amp; documents to see how extend class or any components and what is the strategy when extend</a:t>
+            </a:r>
+          </a:p>
+          <a:p>
             <a:endParaRPr lang="en-US" dirty="0"/>
           </a:p>
         </p:txBody>
@@ -1984,7 +2020,7 @@
             </a:r>
           </a:p>
           <a:p>
-            <a:endParaRPr lang="en-US" sz="1200" kern="1200" smtClean="0">
+            <a:endParaRPr lang="en-US" sz="1200" kern="1200" dirty="0" smtClean="0">
               <a:solidFill>
                 <a:schemeClr val="tx1"/>
               </a:solidFill>
@@ -1996,18 +2032,6 @@
           </a:p>
           <a:p>
             <a:r>
-              <a:rPr lang="en-US" sz="1200" kern="1200" smtClean="0">
-                <a:solidFill>
-                  <a:schemeClr val="tx1"/>
-                </a:solidFill>
-                <a:effectLst/>
-                <a:latin typeface="+mn-lt"/>
-                <a:ea typeface="+mn-ea"/>
-                <a:cs typeface="+mn-cs"/>
-              </a:rPr>
-              <a:t>We </a:t>
-            </a:r>
-            <a:r>
               <a:rPr lang="en-US" sz="1200" kern="1200" dirty="0" smtClean="0">
                 <a:solidFill>
                   <a:schemeClr val="tx1"/>
@@ -2017,7 +2041,7 @@
                 <a:ea typeface="+mn-ea"/>
                 <a:cs typeface="+mn-cs"/>
               </a:rPr>
-              <a:t>have deployed Broadleaf Commerce to Amazon EC2, Rackspace Cloud, </a:t>
+              <a:t>We have deployed Broadleaf Commerce to Amazon EC2, Rackspace Cloud, </a:t>
             </a:r>
             <a:r>
               <a:rPr lang="en-US" sz="1200" kern="1200" dirty="0" err="1" smtClean="0">
@@ -2129,8 +2153,44 @@
                 <a:ea typeface="+mn-ea"/>
                 <a:cs typeface="+mn-cs"/>
               </a:rPr>
-              <a:t>Integrate many frameworks which may cause risk to port application</a:t>
-            </a:r>
+              <a:t>Integrate many frameworks which may cause risk to port </a:t>
+            </a:r>
+            <a:r>
+              <a:rPr lang="en-US" sz="1200" kern="1200" dirty="0" smtClean="0">
+                <a:solidFill>
+                  <a:schemeClr val="tx1"/>
+                </a:solidFill>
+                <a:effectLst/>
+                <a:latin typeface="+mn-lt"/>
+                <a:ea typeface="+mn-ea"/>
+                <a:cs typeface="+mn-cs"/>
+              </a:rPr>
+              <a:t>application</a:t>
+            </a:r>
+          </a:p>
+          <a:p>
+            <a:endParaRPr lang="en-US" sz="1200" kern="1200" dirty="0" smtClean="0">
+              <a:solidFill>
+                <a:schemeClr val="tx1"/>
+              </a:solidFill>
+              <a:effectLst/>
+              <a:latin typeface="+mn-lt"/>
+              <a:ea typeface="+mn-ea"/>
+              <a:cs typeface="+mn-cs"/>
+            </a:endParaRPr>
+          </a:p>
+          <a:p>
+            <a:endParaRPr lang="en-US" sz="1200" kern="1200" dirty="0" smtClean="0">
+              <a:solidFill>
+                <a:schemeClr val="tx1"/>
+              </a:solidFill>
+              <a:effectLst/>
+              <a:latin typeface="+mn-lt"/>
+              <a:ea typeface="+mn-ea"/>
+              <a:cs typeface="+mn-cs"/>
+            </a:endParaRPr>
+          </a:p>
+          <a:p>
             <a:endParaRPr lang="en-US" dirty="0"/>
           </a:p>
         </p:txBody>
@@ -5775,21 +5835,8 @@
             </a:pPr>
             <a:r>
               <a:rPr lang="en-US" dirty="0" smtClean="0"/>
-              <a:t>	- Require </a:t>
-            </a:r>
-            <a:r>
-              <a:rPr lang="en-US" smtClean="0"/>
-              <a:t>SQL </a:t>
-            </a:r>
-            <a:r>
-              <a:rPr lang="en-US" smtClean="0"/>
-              <a:t>database </a:t>
-            </a:r>
-            <a:r>
-              <a:rPr lang="en-US" dirty="0" smtClean="0"/>
-              <a:t>which is supported by Hibernate</a:t>
-            </a:r>
-            <a:endParaRPr lang="en-US" dirty="0" smtClean="0"/>
+              <a:t>	- Require SQL database which is supported by Hibernate</a:t>
+            </a:r>
           </a:p>
           <a:p>
             <a:pPr marL="0" indent="0">
